--- a/compute/embedded-system/MCU.pptx
+++ b/compute/embedded-system/MCU.pptx
@@ -10,11 +10,21 @@
     <p:sldId id="256" r:id="rId5"/>
     <p:sldId id="257" r:id="rId6"/>
     <p:sldId id="258" r:id="rId7"/>
+    <p:sldId id="264" r:id="rId8"/>
+    <p:sldId id="280" r:id="rId9"/>
+    <p:sldId id="262" r:id="rId10"/>
+    <p:sldId id="269" r:id="rId11"/>
+    <p:sldId id="270" r:id="rId12"/>
+    <p:sldId id="271" r:id="rId13"/>
+    <p:sldId id="276" r:id="rId14"/>
+    <p:sldId id="275" r:id="rId15"/>
+    <p:sldId id="273" r:id="rId16"/>
+    <p:sldId id="274" r:id="rId17"/>
   </p:sldIdLst>
   <p:sldSz cx="12192000" cy="6858000"/>
   <p:notesSz cx="6858000" cy="9144000"/>
   <p:custDataLst>
-    <p:tags r:id="rId11"/>
+    <p:tags r:id="rId21"/>
   </p:custDataLst>
   <p:defaultTextStyle>
     <a:defPPr>
@@ -119,6 +129,31 @@
             <p14:sldId id="256"/>
             <p14:sldId id="257"/>
             <p14:sldId id="258"/>
+            <p14:sldId id="264"/>
+            <p14:sldId id="280"/>
+          </p14:sldIdLst>
+        </p14:section>
+        <p14:section name="专业名词" id="{3eabcbfd-5c83-42b4-bc6b-79412163210a}">
+          <p14:sldIdLst>
+            <p14:sldId id="262"/>
+          </p14:sldIdLst>
+        </p14:section>
+        <p14:section name="硬件" id="{00a063b9-c458-40b6-9f9e-05fa44bcc50a}">
+          <p14:sldIdLst/>
+        </p14:section>
+        <p14:section name="协议" id="{69ad8568-9114-4f13-9dbd-c5c40bcac032}">
+          <p14:sldIdLst>
+            <p14:sldId id="269"/>
+            <p14:sldId id="270"/>
+            <p14:sldId id="271"/>
+            <p14:sldId id="276"/>
+            <p14:sldId id="275"/>
+          </p14:sldIdLst>
+        </p14:section>
+        <p14:section name="C51 Language" id="{365cc556-2014-4a44-bc71-5f8105312685}">
+          <p14:sldIdLst>
+            <p14:sldId id="273"/>
+            <p14:sldId id="274"/>
           </p14:sldIdLst>
         </p14:section>
       </p14:sectionLst>
@@ -157,8 +192,8 @@
         </p:nvSpPr>
         <p:spPr>
           <a:xfrm>
-            <a:off x="0" y="171065"/>
-            <a:ext cx="4456090" cy="575910"/>
+            <a:off x="0" y="170815"/>
+            <a:ext cx="3328035" cy="522605"/>
           </a:xfrm>
           <a:prstGeom prst="rect">
             <a:avLst/>
@@ -199,7 +234,11 @@
           <a:bodyPr rtlCol="0" anchor="ctr"/>
           <a:lstStyle/>
           <a:p>
-            <a:pPr algn="l"/>
+            <a:pPr algn="l">
+              <a:lnSpc>
+                <a:spcPct val="110000"/>
+              </a:lnSpc>
+            </a:pPr>
             <a:endParaRPr lang="zh-CN" altLang="en-US" sz="2400" dirty="0">
               <a:latin typeface="+mj-lt"/>
               <a:ea typeface="等线" panose="02010600030101010101" pitchFamily="2" charset="-122"/>
@@ -219,7 +258,7 @@
         </p:nvSpPr>
         <p:spPr>
           <a:xfrm>
-            <a:off x="908050" y="1365250"/>
+            <a:off x="311150" y="934085"/>
             <a:ext cx="5010150" cy="2457450"/>
           </a:xfrm>
         </p:spPr>
@@ -228,7 +267,7 @@
           <a:lstStyle>
             <a:lvl1pPr marL="0" indent="0">
               <a:buNone/>
-              <a:defRPr/>
+              <a:defRPr sz="1400"/>
             </a:lvl1pPr>
           </a:lstStyle>
           <a:p>
@@ -249,15 +288,15 @@
         </p:nvSpPr>
         <p:spPr>
           <a:xfrm>
-            <a:off x="0" y="171065"/>
-            <a:ext cx="4456090" cy="575910"/>
+            <a:off x="0" y="170815"/>
+            <a:ext cx="3327400" cy="521970"/>
           </a:xfrm>
           <a:ln>
             <a:noFill/>
           </a:ln>
         </p:spPr>
         <p:txBody>
-          <a:bodyPr>
+          <a:bodyPr anchor="ctr" anchorCtr="0">
             <a:normAutofit/>
           </a:bodyPr>
           <a:lstStyle>
@@ -266,7 +305,7 @@
                 <a:spcPct val="100000"/>
               </a:lnSpc>
               <a:buNone/>
-              <a:defRPr sz="2800">
+              <a:defRPr sz="1800">
                 <a:solidFill>
                   <a:schemeClr val="bg1"/>
                 </a:solidFill>
@@ -8789,6 +8828,313 @@
 </p:sld>
 </file>
 
+<file path=ppt/slides/slide10.xml><?xml version="1.0" encoding="utf-8"?>
+<p:sld xmlns:a="http://schemas.openxmlformats.org/drawingml/2006/main" xmlns:r="http://schemas.openxmlformats.org/officeDocument/2006/relationships" xmlns:p="http://schemas.openxmlformats.org/presentationml/2006/main">
+  <p:cSld>
+    <p:spTree>
+      <p:nvGrpSpPr>
+        <p:cNvPr id="1" name=""/>
+        <p:cNvGrpSpPr/>
+        <p:nvPr/>
+      </p:nvGrpSpPr>
+      <p:grpSpPr/>
+      <p:sp>
+        <p:nvSpPr>
+          <p:cNvPr id="2" name="文本占位符 1"/>
+          <p:cNvSpPr>
+            <a:spLocks noGrp="1"/>
+          </p:cNvSpPr>
+          <p:nvPr>
+            <p:ph type="body" sz="quarter" idx="10"/>
+          </p:nvPr>
+        </p:nvSpPr>
+        <p:spPr/>
+        <p:txBody>
+          <a:bodyPr/>
+          <a:p>
+            <a:endParaRPr lang="zh-CN" altLang="en-US"/>
+          </a:p>
+        </p:txBody>
+      </p:sp>
+      <p:sp>
+        <p:nvSpPr>
+          <p:cNvPr id="3" name="文本占位符 2"/>
+          <p:cNvSpPr>
+            <a:spLocks noGrp="1"/>
+          </p:cNvSpPr>
+          <p:nvPr>
+            <p:ph type="body" sz="quarter" idx="11"/>
+          </p:nvPr>
+        </p:nvSpPr>
+        <p:spPr/>
+        <p:txBody>
+          <a:bodyPr/>
+          <a:p>
+            <a:r>
+              <a:rPr lang="en-US" altLang="zh-CN"/>
+              <a:t>PWM</a:t>
+            </a:r>
+            <a:endParaRPr lang="en-US" altLang="zh-CN"/>
+          </a:p>
+        </p:txBody>
+      </p:sp>
+    </p:spTree>
+  </p:cSld>
+  <p:clrMapOvr>
+    <a:masterClrMapping/>
+  </p:clrMapOvr>
+</p:sld>
+</file>
+
+<file path=ppt/slides/slide11.xml><?xml version="1.0" encoding="utf-8"?>
+<p:sld xmlns:a="http://schemas.openxmlformats.org/drawingml/2006/main" xmlns:r="http://schemas.openxmlformats.org/officeDocument/2006/relationships" xmlns:p="http://schemas.openxmlformats.org/presentationml/2006/main">
+  <p:cSld>
+    <p:spTree>
+      <p:nvGrpSpPr>
+        <p:cNvPr id="1" name=""/>
+        <p:cNvGrpSpPr/>
+        <p:nvPr/>
+      </p:nvGrpSpPr>
+      <p:grpSpPr/>
+      <p:sp>
+        <p:nvSpPr>
+          <p:cNvPr id="2" name="文本占位符 1"/>
+          <p:cNvSpPr>
+            <a:spLocks noGrp="1"/>
+          </p:cNvSpPr>
+          <p:nvPr>
+            <p:ph type="body" sz="quarter" idx="10"/>
+          </p:nvPr>
+        </p:nvSpPr>
+        <p:spPr/>
+        <p:txBody>
+          <a:bodyPr/>
+          <a:p>
+            <a:endParaRPr lang="zh-CN" altLang="en-US"/>
+          </a:p>
+        </p:txBody>
+      </p:sp>
+      <p:sp>
+        <p:nvSpPr>
+          <p:cNvPr id="3" name="文本占位符 2"/>
+          <p:cNvSpPr>
+            <a:spLocks noGrp="1"/>
+          </p:cNvSpPr>
+          <p:nvPr>
+            <p:ph type="body" sz="quarter" idx="11"/>
+          </p:nvPr>
+        </p:nvSpPr>
+        <p:spPr/>
+        <p:txBody>
+          <a:bodyPr/>
+          <a:p>
+            <a:endParaRPr lang="zh-CN" altLang="en-US"/>
+          </a:p>
+        </p:txBody>
+      </p:sp>
+    </p:spTree>
+  </p:cSld>
+  <p:clrMapOvr>
+    <a:masterClrMapping/>
+  </p:clrMapOvr>
+</p:sld>
+</file>
+
+<file path=ppt/slides/slide12.xml><?xml version="1.0" encoding="utf-8"?>
+<p:sld xmlns:a="http://schemas.openxmlformats.org/drawingml/2006/main" xmlns:r="http://schemas.openxmlformats.org/officeDocument/2006/relationships" xmlns:p="http://schemas.openxmlformats.org/presentationml/2006/main">
+  <p:cSld>
+    <p:spTree>
+      <p:nvGrpSpPr>
+        <p:cNvPr id="1" name=""/>
+        <p:cNvGrpSpPr/>
+        <p:nvPr/>
+      </p:nvGrpSpPr>
+      <p:grpSpPr/>
+      <p:sp>
+        <p:nvSpPr>
+          <p:cNvPr id="2" name="文本占位符 1"/>
+          <p:cNvSpPr>
+            <a:spLocks noGrp="1"/>
+          </p:cNvSpPr>
+          <p:nvPr>
+            <p:ph type="body" sz="quarter" idx="10"/>
+          </p:nvPr>
+        </p:nvSpPr>
+        <p:spPr>
+          <a:xfrm>
+            <a:off x="8434705" y="6568440"/>
+            <a:ext cx="3703320" cy="289560"/>
+          </a:xfrm>
+        </p:spPr>
+        <p:txBody>
+          <a:bodyPr>
+            <a:normAutofit fontScale="60000"/>
+          </a:bodyPr>
+          <a:p>
+            <a:r>
+              <a:rPr lang="zh-CN" altLang="en-US"/>
+              <a:t>官方</a:t>
+            </a:r>
+            <a:r>
+              <a:rPr lang="zh-CN" altLang="en-US"/>
+              <a:t>文档：https://www.keil.com/support/man/docs/c51/c51_cm_lstfile.htm</a:t>
+            </a:r>
+            <a:endParaRPr lang="zh-CN" altLang="en-US"/>
+          </a:p>
+        </p:txBody>
+      </p:sp>
+      <p:sp>
+        <p:nvSpPr>
+          <p:cNvPr id="3" name="文本占位符 2"/>
+          <p:cNvSpPr>
+            <a:spLocks noGrp="1"/>
+          </p:cNvSpPr>
+          <p:nvPr>
+            <p:ph type="body" sz="quarter" idx="11"/>
+          </p:nvPr>
+        </p:nvSpPr>
+        <p:spPr/>
+        <p:txBody>
+          <a:bodyPr/>
+          <a:p>
+            <a:r>
+              <a:rPr lang="en-US" altLang="zh-CN"/>
+              <a:t>C51</a:t>
+            </a:r>
+            <a:endParaRPr lang="en-US" altLang="zh-CN"/>
+          </a:p>
+        </p:txBody>
+      </p:sp>
+      <p:sp>
+        <p:nvSpPr>
+          <p:cNvPr id="4" name="文本框 3"/>
+          <p:cNvSpPr txBox="1"/>
+          <p:nvPr/>
+        </p:nvSpPr>
+        <p:spPr>
+          <a:xfrm>
+            <a:off x="83185" y="927735"/>
+            <a:ext cx="10498455" cy="953135"/>
+          </a:xfrm>
+          <a:prstGeom prst="rect">
+            <a:avLst/>
+          </a:prstGeom>
+          <a:noFill/>
+        </p:spPr>
+        <p:txBody>
+          <a:bodyPr wrap="none" rtlCol="0">
+            <a:spAutoFit/>
+          </a:bodyPr>
+          <a:p>
+            <a:pPr algn="l"/>
+            <a:r>
+              <a:rPr lang="zh-CN" altLang="en-US" sz="1400"/>
+              <a:t>The Cx51 Optimizing C Compiler is a complete implementation of the American National Standards Institute (ANSI) standard for the C language.</a:t>
+            </a:r>
+            <a:endParaRPr lang="zh-CN" altLang="en-US" sz="1400"/>
+          </a:p>
+          <a:p>
+            <a:pPr algn="l"/>
+            <a:r>
+              <a:rPr lang="zh-CN" altLang="en-US" sz="1400"/>
+              <a:t>The Cx51 Compiler is not a universal C compiler adapted for the 8051 target. </a:t>
+            </a:r>
+            <a:endParaRPr lang="zh-CN" altLang="en-US" sz="1400"/>
+          </a:p>
+          <a:p>
+            <a:pPr algn="l"/>
+            <a:r>
+              <a:rPr lang="zh-CN" altLang="en-US" sz="1400"/>
+              <a:t>It is a ground-up implementation, dedicated to generating extremely fast and compact code for the 8051 microprocessor.</a:t>
+            </a:r>
+            <a:endParaRPr lang="zh-CN" altLang="en-US" sz="1400"/>
+          </a:p>
+          <a:p>
+            <a:pPr algn="l"/>
+            <a:r>
+              <a:rPr lang="zh-CN" altLang="en-US" sz="1400"/>
+              <a:t>The Cx51 Compiler provides you with the flexibility of programming in C and the code efficiency and speed of assembly language.</a:t>
+            </a:r>
+            <a:endParaRPr lang="zh-CN" altLang="en-US" sz="1400"/>
+          </a:p>
+        </p:txBody>
+      </p:sp>
+    </p:spTree>
+  </p:cSld>
+  <p:clrMapOvr>
+    <a:masterClrMapping/>
+  </p:clrMapOvr>
+</p:sld>
+</file>
+
+<file path=ppt/slides/slide13.xml><?xml version="1.0" encoding="utf-8"?>
+<p:sld xmlns:a="http://schemas.openxmlformats.org/drawingml/2006/main" xmlns:r="http://schemas.openxmlformats.org/officeDocument/2006/relationships" xmlns:p="http://schemas.openxmlformats.org/presentationml/2006/main">
+  <p:cSld>
+    <p:spTree>
+      <p:nvGrpSpPr>
+        <p:cNvPr id="1" name=""/>
+        <p:cNvGrpSpPr/>
+        <p:nvPr/>
+      </p:nvGrpSpPr>
+      <p:grpSpPr/>
+      <p:sp>
+        <p:nvSpPr>
+          <p:cNvPr id="3" name="文本占位符 2"/>
+          <p:cNvSpPr>
+            <a:spLocks noGrp="1"/>
+          </p:cNvSpPr>
+          <p:nvPr>
+            <p:ph type="body" sz="quarter" idx="11"/>
+          </p:nvPr>
+        </p:nvSpPr>
+        <p:spPr/>
+        <p:txBody>
+          <a:bodyPr/>
+          <a:p>
+            <a:r>
+              <a:rPr lang="en-US" altLang="zh-CN"/>
+              <a:t>D</a:t>
+            </a:r>
+            <a:r>
+              <a:rPr lang="en-US" altLang="zh-CN"/>
+              <a:t>ataType</a:t>
+            </a:r>
+            <a:endParaRPr lang="en-US" altLang="zh-CN"/>
+          </a:p>
+        </p:txBody>
+      </p:sp>
+      <p:pic>
+        <p:nvPicPr>
+          <p:cNvPr id="4" name="图片 3"/>
+          <p:cNvPicPr>
+            <a:picLocks noChangeAspect="1"/>
+          </p:cNvPicPr>
+          <p:nvPr/>
+        </p:nvPicPr>
+        <p:blipFill>
+          <a:blip r:embed="rId1"/>
+          <a:stretch>
+            <a:fillRect/>
+          </a:stretch>
+        </p:blipFill>
+        <p:spPr>
+          <a:xfrm>
+            <a:off x="341630" y="861060"/>
+            <a:ext cx="6572250" cy="4638675"/>
+          </a:xfrm>
+          <a:prstGeom prst="rect">
+            <a:avLst/>
+          </a:prstGeom>
+        </p:spPr>
+      </p:pic>
+    </p:spTree>
+  </p:cSld>
+  <p:clrMapOvr>
+    <a:masterClrMapping/>
+  </p:clrMapOvr>
+</p:sld>
+</file>
+
 <file path=ppt/slides/slide2.xml><?xml version="1.0" encoding="utf-8"?>
 <p:sld xmlns:a="http://schemas.openxmlformats.org/drawingml/2006/main" xmlns:r="http://schemas.openxmlformats.org/officeDocument/2006/relationships" xmlns:p="http://schemas.openxmlformats.org/presentationml/2006/main">
   <p:cSld>
@@ -9328,7 +9674,7 @@
             <a:r>
               <a:rPr lang="zh-CN" altLang="en-US" sz="1100">
                 <a:cs typeface="+mn-lt"/>
-                <a:hlinkClick r:id="rId2" tooltip="" action="ppaction://hlinkfile"/>
+                <a:hlinkClick r:id="rId2" action="ppaction://hlinkfile"/>
               </a:rPr>
               <a:t>时序电路</a:t>
             </a:r>
@@ -9467,6 +9813,4509 @@
           </a:p>
         </p:txBody>
       </p:sp>
+    </p:spTree>
+  </p:cSld>
+  <p:clrMapOvr>
+    <a:masterClrMapping/>
+  </p:clrMapOvr>
+</p:sld>
+</file>
+
+<file path=ppt/slides/slide4.xml><?xml version="1.0" encoding="utf-8"?>
+<p:sld xmlns:a="http://schemas.openxmlformats.org/drawingml/2006/main" xmlns:r="http://schemas.openxmlformats.org/officeDocument/2006/relationships" xmlns:p="http://schemas.openxmlformats.org/presentationml/2006/main">
+  <p:cSld>
+    <p:spTree>
+      <p:nvGrpSpPr>
+        <p:cNvPr id="1" name=""/>
+        <p:cNvGrpSpPr/>
+        <p:nvPr/>
+      </p:nvGrpSpPr>
+      <p:grpSpPr/>
+      <p:sp>
+        <p:nvSpPr>
+          <p:cNvPr id="3" name="文本占位符 2"/>
+          <p:cNvSpPr>
+            <a:spLocks noGrp="1"/>
+          </p:cNvSpPr>
+          <p:nvPr>
+            <p:ph type="body" sz="quarter" idx="11"/>
+          </p:nvPr>
+        </p:nvSpPr>
+        <p:spPr/>
+        <p:txBody>
+          <a:bodyPr/>
+          <a:p>
+            <a:r>
+              <a:rPr lang="en-US" altLang="zh-CN"/>
+              <a:t>CPU</a:t>
+            </a:r>
+            <a:r>
+              <a:rPr lang="zh-CN" altLang="en-US"/>
+              <a:t>时钟</a:t>
+            </a:r>
+            <a:endParaRPr lang="zh-CN" altLang="en-US"/>
+          </a:p>
+        </p:txBody>
+      </p:sp>
+      <p:sp>
+        <p:nvSpPr>
+          <p:cNvPr id="4" name="文本框 3"/>
+          <p:cNvSpPr txBox="1"/>
+          <p:nvPr/>
+        </p:nvSpPr>
+        <p:spPr>
+          <a:xfrm>
+            <a:off x="363220" y="1021080"/>
+            <a:ext cx="8693150" cy="1014730"/>
+          </a:xfrm>
+          <a:prstGeom prst="rect">
+            <a:avLst/>
+          </a:prstGeom>
+          <a:noFill/>
+        </p:spPr>
+        <p:txBody>
+          <a:bodyPr wrap="none" rtlCol="0">
+            <a:spAutoFit/>
+          </a:bodyPr>
+          <a:p>
+            <a:r>
+              <a:rPr lang="zh-CN" altLang="en-US"/>
+              <a:t>时钟周期</a:t>
+            </a:r>
+            <a:endParaRPr lang="zh-CN" altLang="en-US"/>
+          </a:p>
+          <a:p>
+            <a:r>
+              <a:rPr lang="zh-CN" altLang="en-US" sz="1400"/>
+              <a:t>时钟周期也叫振荡周期或晶振周期，即晶振单位时间发出的脉冲数，一般有外部晶振产生。</a:t>
+            </a:r>
+            <a:endParaRPr lang="zh-CN" altLang="en-US" sz="1400"/>
+          </a:p>
+          <a:p>
+            <a:r>
+              <a:rPr lang="zh-CN" altLang="en-US" sz="1400"/>
+              <a:t>比如</a:t>
+            </a:r>
+            <a:r>
+              <a:rPr lang="en-US" altLang="zh-CN" sz="1400"/>
+              <a:t>12MHZ = 12 x 10^6, </a:t>
+            </a:r>
+            <a:r>
+              <a:rPr lang="zh-CN" altLang="en-US" sz="1400"/>
+              <a:t>及每秒发出</a:t>
+            </a:r>
+            <a:r>
+              <a:rPr lang="en-US" altLang="zh-CN" sz="1400"/>
+              <a:t>12000000</a:t>
+            </a:r>
+            <a:r>
+              <a:rPr lang="zh-CN" altLang="en-US" sz="1400"/>
+              <a:t>个脉冲信号，那么发出一个脉冲的时间就是时钟周期</a:t>
+            </a:r>
+            <a:r>
+              <a:rPr lang="en-US" altLang="zh-CN" sz="1400"/>
+              <a:t>(1/12</a:t>
+            </a:r>
+            <a:r>
+              <a:rPr lang="zh-CN" altLang="en-US" sz="1400"/>
+              <a:t>微秒</a:t>
+            </a:r>
+            <a:r>
+              <a:rPr lang="en-US" altLang="zh-CN" sz="1400"/>
+              <a:t>)</a:t>
+            </a:r>
+            <a:r>
+              <a:rPr lang="zh-CN" altLang="en-US" sz="1400">
+                <a:ea typeface="宋体" panose="02010600030101010101" pitchFamily="2" charset="-122"/>
+              </a:rPr>
+              <a:t>。</a:t>
+            </a:r>
+            <a:endParaRPr lang="zh-CN" altLang="en-US" sz="1400">
+              <a:ea typeface="宋体" panose="02010600030101010101" pitchFamily="2" charset="-122"/>
+            </a:endParaRPr>
+          </a:p>
+          <a:p>
+            <a:r>
+              <a:rPr lang="zh-CN" altLang="en-US" sz="1400">
+                <a:ea typeface="宋体" panose="02010600030101010101" pitchFamily="2" charset="-122"/>
+              </a:rPr>
+              <a:t>通常也叫做系统时钟周期。是计算机最基本的，最小的时间单位。</a:t>
+            </a:r>
+            <a:endParaRPr lang="zh-CN" altLang="en-US" sz="1400">
+              <a:ea typeface="宋体" panose="02010600030101010101" pitchFamily="2" charset="-122"/>
+            </a:endParaRPr>
+          </a:p>
+        </p:txBody>
+      </p:sp>
+      <p:sp>
+        <p:nvSpPr>
+          <p:cNvPr id="5" name="文本框 4"/>
+          <p:cNvSpPr txBox="1"/>
+          <p:nvPr/>
+        </p:nvSpPr>
+        <p:spPr>
+          <a:xfrm>
+            <a:off x="416560" y="2140585"/>
+            <a:ext cx="9024620" cy="1876425"/>
+          </a:xfrm>
+          <a:prstGeom prst="rect">
+            <a:avLst/>
+          </a:prstGeom>
+          <a:noFill/>
+        </p:spPr>
+        <p:txBody>
+          <a:bodyPr wrap="none" rtlCol="0">
+            <a:spAutoFit/>
+          </a:bodyPr>
+          <a:p>
+            <a:pPr algn="l"/>
+            <a:r>
+              <a:rPr lang="zh-CN" altLang="en-US"/>
+              <a:t>机器</a:t>
+            </a:r>
+            <a:r>
+              <a:rPr lang="zh-CN" altLang="en-US"/>
+              <a:t>周期</a:t>
+            </a:r>
+            <a:endParaRPr lang="zh-CN" altLang="en-US"/>
+          </a:p>
+          <a:p>
+            <a:pPr algn="l"/>
+            <a:r>
+              <a:rPr lang="zh-CN" altLang="en-US" sz="1400"/>
+              <a:t>在计算机中，为了便于管理，常把一条指令的执行过程划分为若干个阶段，每一阶段完成一项工作。</a:t>
+            </a:r>
+            <a:endParaRPr lang="zh-CN" altLang="en-US" sz="1400"/>
+          </a:p>
+          <a:p>
+            <a:pPr algn="l"/>
+            <a:r>
+              <a:rPr lang="zh-CN" altLang="en-US" sz="1400"/>
+              <a:t>例如，取指令、存储器读、存储器写等，这每一项工作称为一个基本操作。</a:t>
+            </a:r>
+            <a:endParaRPr lang="zh-CN" altLang="en-US" sz="1400"/>
+          </a:p>
+          <a:p>
+            <a:pPr algn="l"/>
+            <a:r>
+              <a:rPr lang="zh-CN" altLang="en-US" sz="1400"/>
+              <a:t>完成一个基本操作所需要的时间称为机器周期。一般情况下，一个机器周期由若干个S周期(状态周期)组成。</a:t>
+            </a:r>
+            <a:endParaRPr lang="zh-CN" altLang="en-US" sz="1400"/>
+          </a:p>
+          <a:p>
+            <a:pPr algn="l"/>
+            <a:r>
+              <a:rPr lang="zh-CN" altLang="en-US" sz="1400"/>
+              <a:t>8051系列单片机的一个机器周期同6个S周期(状态周期)组成。前面已说过一个时钟周期定义为一个节拍(用P表示)，</a:t>
+            </a:r>
+            <a:endParaRPr lang="zh-CN" altLang="en-US" sz="1400"/>
+          </a:p>
+          <a:p>
+            <a:pPr algn="l"/>
+            <a:r>
+              <a:rPr lang="zh-CN" altLang="en-US" sz="1400"/>
+              <a:t>二个节拍定义为一个状态周期(用S表示)，8051单片机的机器周期由6个状态周期组成，</a:t>
+            </a:r>
+            <a:endParaRPr lang="zh-CN" altLang="en-US" sz="1400"/>
+          </a:p>
+          <a:p>
+            <a:pPr algn="l"/>
+            <a:r>
+              <a:rPr lang="zh-CN" altLang="en-US" sz="1400"/>
+              <a:t>也就是说一个机器周期=6个状态周期=12个时钟周期。</a:t>
+            </a:r>
+            <a:endParaRPr lang="zh-CN" altLang="en-US" sz="1400"/>
+          </a:p>
+          <a:p>
+            <a:pPr algn="l"/>
+            <a:endParaRPr lang="zh-CN" altLang="en-US" sz="1400"/>
+          </a:p>
+        </p:txBody>
+      </p:sp>
+      <p:sp>
+        <p:nvSpPr>
+          <p:cNvPr id="6" name="文本框 5"/>
+          <p:cNvSpPr txBox="1"/>
+          <p:nvPr/>
+        </p:nvSpPr>
+        <p:spPr>
+          <a:xfrm>
+            <a:off x="416560" y="4017010"/>
+            <a:ext cx="7472680" cy="1229995"/>
+          </a:xfrm>
+          <a:prstGeom prst="rect">
+            <a:avLst/>
+          </a:prstGeom>
+          <a:noFill/>
+        </p:spPr>
+        <p:txBody>
+          <a:bodyPr wrap="none" rtlCol="0">
+            <a:spAutoFit/>
+          </a:bodyPr>
+          <a:p>
+            <a:pPr algn="l"/>
+            <a:r>
+              <a:rPr lang="zh-CN" altLang="en-US"/>
+              <a:t>指令</a:t>
+            </a:r>
+            <a:r>
+              <a:rPr lang="zh-CN" altLang="en-US"/>
+              <a:t>周期</a:t>
+            </a:r>
+            <a:endParaRPr lang="zh-CN" altLang="en-US"/>
+          </a:p>
+          <a:p>
+            <a:pPr algn="l"/>
+            <a:r>
+              <a:rPr lang="zh-CN" altLang="en-US" sz="1400"/>
+              <a:t>指令周期是执行一条指令所需要的时间，一般由若干个机器周期组成。</a:t>
+            </a:r>
+            <a:endParaRPr lang="zh-CN" altLang="en-US" sz="1400"/>
+          </a:p>
+          <a:p>
+            <a:pPr algn="l"/>
+            <a:r>
+              <a:rPr lang="zh-CN" altLang="en-US" sz="1400"/>
+              <a:t>指令不同，所需的机器周期数也不同。对于一些简单的的单字节指令，</a:t>
+            </a:r>
+            <a:endParaRPr lang="zh-CN" altLang="en-US" sz="1400"/>
+          </a:p>
+          <a:p>
+            <a:pPr algn="l"/>
+            <a:r>
+              <a:rPr lang="zh-CN" altLang="en-US" sz="1400"/>
+              <a:t>在取指令周期中，指令取出到指令寄存器后，立即译码执行，不再需要其它的机器周期。</a:t>
+            </a:r>
+            <a:endParaRPr lang="zh-CN" altLang="en-US" sz="1400"/>
+          </a:p>
+          <a:p>
+            <a:pPr algn="l"/>
+            <a:r>
+              <a:rPr lang="zh-CN" altLang="en-US" sz="1400"/>
+              <a:t>对于一些比较复杂的指令，例如转移指令、乘法指令，则需要两个或者两个以上的机器周期。</a:t>
+            </a:r>
+            <a:endParaRPr lang="zh-CN" altLang="en-US" sz="1400"/>
+          </a:p>
+        </p:txBody>
+      </p:sp>
+      <p:sp>
+        <p:nvSpPr>
+          <p:cNvPr id="7" name="文本框 6"/>
+          <p:cNvSpPr txBox="1"/>
+          <p:nvPr/>
+        </p:nvSpPr>
+        <p:spPr>
+          <a:xfrm>
+            <a:off x="416560" y="5410835"/>
+            <a:ext cx="8590280" cy="860425"/>
+          </a:xfrm>
+          <a:prstGeom prst="rect">
+            <a:avLst/>
+          </a:prstGeom>
+          <a:noFill/>
+        </p:spPr>
+        <p:txBody>
+          <a:bodyPr wrap="none" rtlCol="0">
+            <a:spAutoFit/>
+          </a:bodyPr>
+          <a:p>
+            <a:pPr algn="l"/>
+            <a:r>
+              <a:rPr lang="zh-CN" altLang="en-US"/>
+              <a:t>系统</a:t>
+            </a:r>
+            <a:r>
+              <a:rPr lang="zh-CN" altLang="en-US"/>
+              <a:t>时钟</a:t>
+            </a:r>
+            <a:endParaRPr lang="zh-CN" altLang="en-US"/>
+          </a:p>
+          <a:p>
+            <a:pPr algn="l"/>
+            <a:r>
+              <a:rPr lang="zh-CN" altLang="en-US" sz="1400"/>
+              <a:t>系统时钟一般由晶振产生，但在单片机内部系统时钟不一定等于晶振频率，有可能小于晶振频率，</a:t>
+            </a:r>
+            <a:endParaRPr lang="zh-CN" altLang="en-US" sz="1400"/>
+          </a:p>
+          <a:p>
+            <a:pPr algn="l"/>
+            <a:r>
+              <a:rPr lang="zh-CN" altLang="en-US" sz="1400"/>
+              <a:t>也有可能大于晶振频率，具体是多少由单片机内部结构决定，正常情况和晶振频率会存在一个整数倍关系</a:t>
+            </a:r>
+            <a:r>
+              <a:rPr lang="zh-CN" altLang="en-US"/>
+              <a:t>。</a:t>
+            </a:r>
+            <a:endParaRPr lang="zh-CN" altLang="en-US"/>
+          </a:p>
+        </p:txBody>
+      </p:sp>
+    </p:spTree>
+  </p:cSld>
+  <p:clrMapOvr>
+    <a:masterClrMapping/>
+  </p:clrMapOvr>
+</p:sld>
+</file>
+
+<file path=ppt/slides/slide5.xml><?xml version="1.0" encoding="utf-8"?>
+<p:sld xmlns:a="http://schemas.openxmlformats.org/drawingml/2006/main" xmlns:r="http://schemas.openxmlformats.org/officeDocument/2006/relationships" xmlns:p="http://schemas.openxmlformats.org/presentationml/2006/main">
+  <p:cSld>
+    <p:spTree>
+      <p:nvGrpSpPr>
+        <p:cNvPr id="1" name=""/>
+        <p:cNvGrpSpPr/>
+        <p:nvPr/>
+      </p:nvGrpSpPr>
+      <p:grpSpPr/>
+      <p:sp>
+        <p:nvSpPr>
+          <p:cNvPr id="2" name="文本占位符 1"/>
+          <p:cNvSpPr>
+            <a:spLocks noGrp="1"/>
+          </p:cNvSpPr>
+          <p:nvPr>
+            <p:ph type="body" sz="quarter" idx="10"/>
+          </p:nvPr>
+        </p:nvSpPr>
+        <p:spPr/>
+        <p:txBody>
+          <a:bodyPr/>
+          <a:p>
+            <a:r>
+              <a:rPr lang="zh-CN" altLang="en-US"/>
+              <a:t>每秒发生周期波动的次数。</a:t>
+            </a:r>
+            <a:endParaRPr lang="zh-CN" altLang="en-US"/>
+          </a:p>
+          <a:p>
+            <a:r>
+              <a:rPr lang="zh-CN" altLang="en-US"/>
+              <a:t>1千赫 （kHz 103 Hz） =1 000 Hz</a:t>
+            </a:r>
+            <a:endParaRPr lang="zh-CN" altLang="en-US"/>
+          </a:p>
+          <a:p>
+            <a:r>
+              <a:rPr lang="zh-CN" altLang="en-US"/>
+              <a:t>1兆赫 （MHz 106 Hz） =1 000 000 Hz </a:t>
+            </a:r>
+            <a:endParaRPr lang="zh-CN" altLang="en-US"/>
+          </a:p>
+          <a:p>
+            <a:r>
+              <a:rPr lang="zh-CN" altLang="en-US"/>
+              <a:t>1吉赫 （GHz 109 Hz） =1 000 000 000 Hz</a:t>
+            </a:r>
+            <a:endParaRPr lang="zh-CN" altLang="en-US"/>
+          </a:p>
+          <a:p>
+            <a:r>
+              <a:rPr lang="zh-CN" altLang="en-US"/>
+              <a:t>1太赫 （THz 1012 Hz） =1 000 000 000 000 Hz</a:t>
+            </a:r>
+            <a:endParaRPr lang="zh-CN" altLang="en-US"/>
+          </a:p>
+          <a:p>
+            <a:r>
+              <a:rPr lang="zh-CN" altLang="en-US"/>
+              <a:t>1拍赫 （PHz 1015 Hz） =1 000 000 000 000 000 Hz</a:t>
+            </a:r>
+            <a:endParaRPr lang="zh-CN" altLang="en-US"/>
+          </a:p>
+          <a:p>
+            <a:r>
+              <a:rPr lang="zh-CN" altLang="en-US"/>
+              <a:t>1艾赫 （EHz 1018 Hz） =1 000 000 000 000 000 000 Hz</a:t>
+            </a:r>
+            <a:endParaRPr lang="zh-CN" altLang="en-US"/>
+          </a:p>
+        </p:txBody>
+      </p:sp>
+      <p:sp>
+        <p:nvSpPr>
+          <p:cNvPr id="3" name="文本占位符 2"/>
+          <p:cNvSpPr>
+            <a:spLocks noGrp="1"/>
+          </p:cNvSpPr>
+          <p:nvPr>
+            <p:ph type="body" sz="quarter" idx="11"/>
+          </p:nvPr>
+        </p:nvSpPr>
+        <p:spPr/>
+        <p:txBody>
+          <a:bodyPr/>
+          <a:p>
+            <a:r>
+              <a:rPr lang="zh-CN" altLang="en-US"/>
+              <a:t>频率</a:t>
+            </a:r>
+            <a:endParaRPr lang="zh-CN" altLang="en-US"/>
+          </a:p>
+        </p:txBody>
+      </p:sp>
+    </p:spTree>
+  </p:cSld>
+  <p:clrMapOvr>
+    <a:masterClrMapping/>
+  </p:clrMapOvr>
+</p:sld>
+</file>
+
+<file path=ppt/slides/slide6.xml><?xml version="1.0" encoding="utf-8"?>
+<p:sld xmlns:a="http://schemas.openxmlformats.org/drawingml/2006/main" xmlns:r="http://schemas.openxmlformats.org/officeDocument/2006/relationships" xmlns:p="http://schemas.openxmlformats.org/presentationml/2006/main">
+  <p:cSld>
+    <p:spTree>
+      <p:nvGrpSpPr>
+        <p:cNvPr id="1" name=""/>
+        <p:cNvGrpSpPr/>
+        <p:nvPr/>
+      </p:nvGrpSpPr>
+      <p:grpSpPr/>
+      <p:sp>
+        <p:nvSpPr>
+          <p:cNvPr id="3" name="文本占位符 2"/>
+          <p:cNvSpPr>
+            <a:spLocks noGrp="1"/>
+          </p:cNvSpPr>
+          <p:nvPr>
+            <p:ph type="body" sz="quarter" idx="11"/>
+          </p:nvPr>
+        </p:nvSpPr>
+        <p:spPr/>
+        <p:txBody>
+          <a:bodyPr/>
+          <a:p>
+            <a:r>
+              <a:rPr lang="zh-CN" altLang="en-US"/>
+              <a:t>烧录</a:t>
+            </a:r>
+            <a:r>
+              <a:rPr lang="zh-CN" altLang="en-US"/>
+              <a:t>方式</a:t>
+            </a:r>
+            <a:endParaRPr lang="zh-CN" altLang="en-US"/>
+          </a:p>
+        </p:txBody>
+      </p:sp>
+      <p:sp>
+        <p:nvSpPr>
+          <p:cNvPr id="4" name="文本框 3"/>
+          <p:cNvSpPr txBox="1"/>
+          <p:nvPr/>
+        </p:nvSpPr>
+        <p:spPr>
+          <a:xfrm>
+            <a:off x="566420" y="1453515"/>
+            <a:ext cx="5757545" cy="922020"/>
+          </a:xfrm>
+          <a:prstGeom prst="rect">
+            <a:avLst/>
+          </a:prstGeom>
+          <a:noFill/>
+        </p:spPr>
+        <p:txBody>
+          <a:bodyPr wrap="none" rtlCol="0">
+            <a:spAutoFit/>
+          </a:bodyPr>
+          <a:p>
+            <a:r>
+              <a:rPr lang="en-US" altLang="zh-CN"/>
+              <a:t>ISP(In System Programming)</a:t>
+            </a:r>
+            <a:endParaRPr lang="en-US" altLang="zh-CN"/>
+          </a:p>
+          <a:p>
+            <a:r>
+              <a:rPr lang="zh-CN" altLang="en-US"/>
+              <a:t>单片机不须脱离应用系统而直接在产品上烧写</a:t>
+            </a:r>
+            <a:r>
+              <a:rPr lang="en-US" altLang="zh-CN"/>
+              <a:t>/</a:t>
+            </a:r>
+            <a:r>
+              <a:rPr lang="zh-CN" altLang="en-US"/>
+              <a:t>升级</a:t>
+            </a:r>
+            <a:r>
+              <a:rPr lang="zh-CN" altLang="en-US"/>
+              <a:t>程序</a:t>
+            </a:r>
+            <a:endParaRPr lang="zh-CN" altLang="en-US"/>
+          </a:p>
+          <a:p>
+            <a:r>
+              <a:rPr lang="zh-CN" altLang="en-US"/>
+              <a:t>条件，系统必须引出单片机的串口引脚</a:t>
+            </a:r>
+            <a:r>
+              <a:rPr lang="en-US" altLang="zh-CN"/>
+              <a:t>(TXD, RXD)</a:t>
+            </a:r>
+            <a:r>
+              <a:rPr lang="zh-CN" altLang="en-US">
+                <a:ea typeface="宋体" panose="02010600030101010101" pitchFamily="2" charset="-122"/>
+              </a:rPr>
+              <a:t>。</a:t>
+            </a:r>
+            <a:endParaRPr lang="zh-CN" altLang="en-US">
+              <a:ea typeface="宋体" panose="02010600030101010101" pitchFamily="2" charset="-122"/>
+            </a:endParaRPr>
+          </a:p>
+        </p:txBody>
+      </p:sp>
+      <p:sp>
+        <p:nvSpPr>
+          <p:cNvPr id="5" name="文本框 4"/>
+          <p:cNvSpPr txBox="1"/>
+          <p:nvPr/>
+        </p:nvSpPr>
+        <p:spPr>
+          <a:xfrm>
+            <a:off x="566420" y="3025775"/>
+            <a:ext cx="5439410" cy="1198880"/>
+          </a:xfrm>
+          <a:prstGeom prst="rect">
+            <a:avLst/>
+          </a:prstGeom>
+          <a:noFill/>
+        </p:spPr>
+        <p:txBody>
+          <a:bodyPr wrap="square" rtlCol="0">
+            <a:spAutoFit/>
+          </a:bodyPr>
+          <a:p>
+            <a:r>
+              <a:rPr lang="en-US" altLang="zh-CN"/>
+              <a:t>IAP(In Application Programming)</a:t>
+            </a:r>
+            <a:endParaRPr lang="en-US" altLang="zh-CN"/>
+          </a:p>
+          <a:p>
+            <a:r>
+              <a:rPr lang="zh-CN" altLang="en-US"/>
+              <a:t>单片机上电，</a:t>
+            </a:r>
+            <a:r>
+              <a:rPr lang="en-US" altLang="zh-CN"/>
+              <a:t>BOOT</a:t>
+            </a:r>
+            <a:r>
+              <a:rPr lang="zh-CN" altLang="en-US"/>
+              <a:t>检查是否有程序下载请求，无下载请求，直接执行储存的代码。</a:t>
+            </a:r>
+            <a:endParaRPr lang="zh-CN" altLang="en-US"/>
+          </a:p>
+          <a:p>
+            <a:r>
+              <a:rPr lang="zh-CN" altLang="en-US"/>
+              <a:t>有下载请求，下载程序，然后执行</a:t>
+            </a:r>
+            <a:r>
+              <a:rPr lang="zh-CN" altLang="en-US"/>
+              <a:t>程序。</a:t>
+            </a:r>
+            <a:endParaRPr lang="zh-CN" altLang="en-US"/>
+          </a:p>
+        </p:txBody>
+      </p:sp>
+      <p:pic>
+        <p:nvPicPr>
+          <p:cNvPr id="6" name="图片 5" descr="IAP"/>
+          <p:cNvPicPr>
+            <a:picLocks noChangeAspect="1"/>
+          </p:cNvPicPr>
+          <p:nvPr>
+            <p:custDataLst>
+              <p:tags r:id="rId1"/>
+            </p:custDataLst>
+          </p:nvPr>
+        </p:nvPicPr>
+        <p:blipFill>
+          <a:blip r:embed="rId2"/>
+          <a:stretch>
+            <a:fillRect/>
+          </a:stretch>
+        </p:blipFill>
+        <p:spPr>
+          <a:xfrm>
+            <a:off x="6323965" y="3082290"/>
+            <a:ext cx="4472940" cy="1983740"/>
+          </a:xfrm>
+          <a:prstGeom prst="rect">
+            <a:avLst/>
+          </a:prstGeom>
+        </p:spPr>
+      </p:pic>
+    </p:spTree>
+  </p:cSld>
+  <p:clrMapOvr>
+    <a:masterClrMapping/>
+  </p:clrMapOvr>
+</p:sld>
+</file>
+
+<file path=ppt/slides/slide7.xml><?xml version="1.0" encoding="utf-8"?>
+<p:sld xmlns:a="http://schemas.openxmlformats.org/drawingml/2006/main" xmlns:r="http://schemas.openxmlformats.org/officeDocument/2006/relationships" xmlns:p="http://schemas.openxmlformats.org/presentationml/2006/main">
+  <p:cSld>
+    <p:spTree>
+      <p:nvGrpSpPr>
+        <p:cNvPr id="1" name=""/>
+        <p:cNvGrpSpPr/>
+        <p:nvPr/>
+      </p:nvGrpSpPr>
+      <p:grpSpPr/>
+      <p:sp>
+        <p:nvSpPr>
+          <p:cNvPr id="3" name="文本占位符 2"/>
+          <p:cNvSpPr>
+            <a:spLocks noGrp="1"/>
+          </p:cNvSpPr>
+          <p:nvPr>
+            <p:ph type="body" sz="quarter" idx="11"/>
+          </p:nvPr>
+        </p:nvSpPr>
+        <p:spPr/>
+        <p:txBody>
+          <a:bodyPr/>
+          <a:p>
+            <a:r>
+              <a:rPr lang="en-US" altLang="zh-CN">
+                <a:sym typeface="+mn-ea"/>
+              </a:rPr>
+              <a:t>IIC</a:t>
+            </a:r>
+            <a:r>
+              <a:rPr lang="zh-CN" altLang="en-US">
+                <a:sym typeface="+mn-ea"/>
+              </a:rPr>
+              <a:t>协议</a:t>
+            </a:r>
+            <a:endParaRPr lang="zh-CN" altLang="en-US"/>
+          </a:p>
+        </p:txBody>
+      </p:sp>
+      <p:sp>
+        <p:nvSpPr>
+          <p:cNvPr id="5" name="文本框 4"/>
+          <p:cNvSpPr txBox="1"/>
+          <p:nvPr/>
+        </p:nvSpPr>
+        <p:spPr>
+          <a:xfrm>
+            <a:off x="497840" y="1188720"/>
+            <a:ext cx="8997315" cy="1168400"/>
+          </a:xfrm>
+          <a:prstGeom prst="rect">
+            <a:avLst/>
+          </a:prstGeom>
+          <a:noFill/>
+        </p:spPr>
+        <p:txBody>
+          <a:bodyPr wrap="none" rtlCol="0">
+            <a:spAutoFit/>
+          </a:bodyPr>
+          <a:p>
+            <a:r>
+              <a:rPr lang="en-US" altLang="zh-CN" sz="1400"/>
+              <a:t>I2C(IIC)</a:t>
+            </a:r>
+            <a:r>
+              <a:rPr lang="zh-CN" altLang="en-US" sz="1400"/>
+              <a:t>属于两线式串行总线，由飞利浦公司开发用于微控制器</a:t>
+            </a:r>
+            <a:r>
+              <a:rPr lang="en-US" altLang="zh-CN" sz="1400"/>
+              <a:t>(MCU)</a:t>
+            </a:r>
+            <a:r>
+              <a:rPr lang="zh-CN" altLang="en-US" sz="1400"/>
+              <a:t>和外围设备（从设备）进行通信的一种总线，</a:t>
+            </a:r>
+            <a:endParaRPr lang="zh-CN" altLang="en-US" sz="1400"/>
+          </a:p>
+          <a:p>
+            <a:r>
+              <a:rPr lang="zh-CN" altLang="en-US" sz="1400"/>
+              <a:t>属于一主多从，一个主设备</a:t>
+            </a:r>
+            <a:r>
+              <a:rPr lang="en-US" altLang="zh-CN" sz="1400"/>
+              <a:t>Master</a:t>
+            </a:r>
+            <a:r>
+              <a:rPr lang="zh-CN" altLang="en-US" sz="1400">
+                <a:ea typeface="宋体" panose="02010600030101010101" pitchFamily="2" charset="-122"/>
+              </a:rPr>
+              <a:t>，多个从设备</a:t>
+            </a:r>
+            <a:r>
+              <a:rPr lang="en-US" altLang="zh-CN" sz="1400">
+                <a:ea typeface="宋体" panose="02010600030101010101" pitchFamily="2" charset="-122"/>
+              </a:rPr>
+              <a:t>Slave</a:t>
+            </a:r>
+            <a:r>
+              <a:rPr lang="zh-CN" altLang="en-US" sz="1400">
+                <a:ea typeface="宋体" panose="02010600030101010101" pitchFamily="2" charset="-122"/>
+              </a:rPr>
+              <a:t>的总线结构，总线上的每个设备都有一个特定的设备地址。</a:t>
+            </a:r>
+            <a:endParaRPr lang="zh-CN" altLang="en-US" sz="1400">
+              <a:ea typeface="宋体" panose="02010600030101010101" pitchFamily="2" charset="-122"/>
+            </a:endParaRPr>
+          </a:p>
+          <a:p>
+            <a:r>
+              <a:rPr lang="zh-CN" altLang="en-US" sz="1400">
+                <a:ea typeface="宋体" panose="02010600030101010101" pitchFamily="2" charset="-122"/>
+              </a:rPr>
+              <a:t>以区分同一</a:t>
+            </a:r>
+            <a:r>
+              <a:rPr lang="en-US" altLang="zh-CN" sz="1400">
+                <a:ea typeface="宋体" panose="02010600030101010101" pitchFamily="2" charset="-122"/>
+              </a:rPr>
+              <a:t>I2C</a:t>
+            </a:r>
+            <a:r>
+              <a:rPr lang="zh-CN" altLang="en-US" sz="1400">
+                <a:ea typeface="宋体" panose="02010600030101010101" pitchFamily="2" charset="-122"/>
+              </a:rPr>
+              <a:t>总线上的其他</a:t>
+            </a:r>
+            <a:r>
+              <a:rPr lang="zh-CN" altLang="en-US" sz="1400">
+                <a:ea typeface="宋体" panose="02010600030101010101" pitchFamily="2" charset="-122"/>
+              </a:rPr>
+              <a:t>设备。</a:t>
+            </a:r>
+            <a:endParaRPr lang="zh-CN" altLang="en-US" sz="1400">
+              <a:ea typeface="宋体" panose="02010600030101010101" pitchFamily="2" charset="-122"/>
+            </a:endParaRPr>
+          </a:p>
+          <a:p>
+            <a:endParaRPr lang="zh-CN" altLang="en-US" sz="1400">
+              <a:ea typeface="宋体" panose="02010600030101010101" pitchFamily="2" charset="-122"/>
+            </a:endParaRPr>
+          </a:p>
+          <a:p>
+            <a:endParaRPr lang="zh-CN" altLang="en-US" sz="1400">
+              <a:ea typeface="宋体" panose="02010600030101010101" pitchFamily="2" charset="-122"/>
+            </a:endParaRPr>
+          </a:p>
+        </p:txBody>
+      </p:sp>
+      <p:grpSp>
+        <p:nvGrpSpPr>
+          <p:cNvPr id="69" name="组合 68"/>
+          <p:cNvGrpSpPr/>
+          <p:nvPr/>
+        </p:nvGrpSpPr>
+        <p:grpSpPr>
+          <a:xfrm>
+            <a:off x="2950210" y="3347085"/>
+            <a:ext cx="5177155" cy="1669415"/>
+            <a:chOff x="761" y="2975"/>
+            <a:chExt cx="8153" cy="2629"/>
+          </a:xfrm>
+        </p:grpSpPr>
+        <p:sp>
+          <p:nvSpPr>
+            <p:cNvPr id="6" name="矩形 5"/>
+            <p:cNvSpPr/>
+            <p:nvPr/>
+          </p:nvSpPr>
+          <p:spPr>
+            <a:xfrm>
+              <a:off x="761" y="2975"/>
+              <a:ext cx="1283" cy="2054"/>
+            </a:xfrm>
+            <a:prstGeom prst="rect">
+              <a:avLst/>
+            </a:prstGeom>
+          </p:spPr>
+          <p:style>
+            <a:lnRef idx="2">
+              <a:schemeClr val="accent1">
+                <a:shade val="50000"/>
+              </a:schemeClr>
+            </a:lnRef>
+            <a:fillRef idx="1">
+              <a:schemeClr val="accent1"/>
+            </a:fillRef>
+            <a:effectRef idx="0">
+              <a:schemeClr val="accent1"/>
+            </a:effectRef>
+            <a:fontRef idx="minor">
+              <a:schemeClr val="lt1"/>
+            </a:fontRef>
+          </p:style>
+          <p:txBody>
+            <a:bodyPr rtlCol="0" anchor="ctr"/>
+            <a:p>
+              <a:pPr algn="ctr"/>
+              <a:endParaRPr lang="zh-CN" altLang="en-US"/>
+            </a:p>
+          </p:txBody>
+        </p:sp>
+        <p:sp>
+          <p:nvSpPr>
+            <p:cNvPr id="7" name="文本框 6"/>
+            <p:cNvSpPr txBox="1"/>
+            <p:nvPr/>
+          </p:nvSpPr>
+          <p:spPr>
+            <a:xfrm>
+              <a:off x="761" y="3691"/>
+              <a:ext cx="938" cy="531"/>
+            </a:xfrm>
+            <a:prstGeom prst="rect">
+              <a:avLst/>
+            </a:prstGeom>
+            <a:noFill/>
+          </p:spPr>
+          <p:txBody>
+            <a:bodyPr wrap="none" rtlCol="0">
+              <a:spAutoFit/>
+            </a:bodyPr>
+            <a:p>
+              <a:r>
+                <a:rPr lang="en-US" altLang="zh-CN" sz="1600"/>
+                <a:t>MCU</a:t>
+              </a:r>
+              <a:endParaRPr lang="en-US" altLang="zh-CN" sz="1600"/>
+            </a:p>
+          </p:txBody>
+        </p:sp>
+        <p:sp>
+          <p:nvSpPr>
+            <p:cNvPr id="8" name="文本框 7"/>
+            <p:cNvSpPr txBox="1"/>
+            <p:nvPr/>
+          </p:nvSpPr>
+          <p:spPr>
+            <a:xfrm>
+              <a:off x="1417" y="3325"/>
+              <a:ext cx="627" cy="434"/>
+            </a:xfrm>
+            <a:prstGeom prst="rect">
+              <a:avLst/>
+            </a:prstGeom>
+            <a:noFill/>
+          </p:spPr>
+          <p:txBody>
+            <a:bodyPr wrap="none" rtlCol="0">
+              <a:spAutoFit/>
+            </a:bodyPr>
+            <a:p>
+              <a:pPr algn="l"/>
+              <a:r>
+                <a:rPr lang="en-US" altLang="zh-CN" sz="1200"/>
+                <a:t>SCL</a:t>
+              </a:r>
+              <a:endParaRPr lang="en-US" altLang="zh-CN" sz="1200"/>
+            </a:p>
+          </p:txBody>
+        </p:sp>
+        <p:sp>
+          <p:nvSpPr>
+            <p:cNvPr id="9" name="文本框 8"/>
+            <p:cNvSpPr txBox="1"/>
+            <p:nvPr/>
+          </p:nvSpPr>
+          <p:spPr>
+            <a:xfrm>
+              <a:off x="1425" y="4222"/>
+              <a:ext cx="619" cy="386"/>
+            </a:xfrm>
+            <a:prstGeom prst="rect">
+              <a:avLst/>
+            </a:prstGeom>
+            <a:noFill/>
+          </p:spPr>
+          <p:txBody>
+            <a:bodyPr wrap="none" rtlCol="0">
+              <a:spAutoFit/>
+            </a:bodyPr>
+            <a:p>
+              <a:r>
+                <a:rPr lang="en-US" altLang="zh-CN" sz="1000"/>
+                <a:t>SDA</a:t>
+              </a:r>
+              <a:endParaRPr lang="en-US" altLang="zh-CN" sz="1000"/>
+            </a:p>
+          </p:txBody>
+        </p:sp>
+        <p:cxnSp>
+          <p:nvCxnSpPr>
+            <p:cNvPr id="10" name="直接连接符 9"/>
+            <p:cNvCxnSpPr>
+              <a:stCxn id="8" idx="3"/>
+            </p:cNvCxnSpPr>
+            <p:nvPr/>
+          </p:nvCxnSpPr>
+          <p:spPr>
+            <a:xfrm flipV="1">
+              <a:off x="2044" y="3508"/>
+              <a:ext cx="6871" cy="34"/>
+            </a:xfrm>
+            <a:prstGeom prst="line">
+              <a:avLst/>
+            </a:prstGeom>
+            <a:ln w="28575">
+              <a:solidFill>
+                <a:schemeClr val="tx1"/>
+              </a:solidFill>
+            </a:ln>
+          </p:spPr>
+          <p:style>
+            <a:lnRef idx="1">
+              <a:schemeClr val="accent1"/>
+            </a:lnRef>
+            <a:fillRef idx="0">
+              <a:schemeClr val="accent1"/>
+            </a:fillRef>
+            <a:effectRef idx="0">
+              <a:schemeClr val="accent1"/>
+            </a:effectRef>
+            <a:fontRef idx="minor">
+              <a:schemeClr val="tx1"/>
+            </a:fontRef>
+          </p:style>
+        </p:cxnSp>
+        <p:cxnSp>
+          <p:nvCxnSpPr>
+            <p:cNvPr id="11" name="直接连接符 10"/>
+            <p:cNvCxnSpPr/>
+            <p:nvPr/>
+          </p:nvCxnSpPr>
+          <p:spPr>
+            <a:xfrm flipV="1">
+              <a:off x="2044" y="4394"/>
+              <a:ext cx="6848" cy="10"/>
+            </a:xfrm>
+            <a:prstGeom prst="line">
+              <a:avLst/>
+            </a:prstGeom>
+            <a:ln w="28575">
+              <a:solidFill>
+                <a:schemeClr val="tx1"/>
+              </a:solidFill>
+            </a:ln>
+          </p:spPr>
+          <p:style>
+            <a:lnRef idx="1">
+              <a:schemeClr val="accent1"/>
+            </a:lnRef>
+            <a:fillRef idx="0">
+              <a:schemeClr val="accent1"/>
+            </a:fillRef>
+            <a:effectRef idx="0">
+              <a:schemeClr val="accent1"/>
+            </a:effectRef>
+            <a:fontRef idx="minor">
+              <a:schemeClr val="tx1"/>
+            </a:fontRef>
+          </p:style>
+        </p:cxnSp>
+        <p:grpSp>
+          <p:nvGrpSpPr>
+            <p:cNvPr id="43" name="组合 42"/>
+            <p:cNvGrpSpPr/>
+            <p:nvPr/>
+          </p:nvGrpSpPr>
+          <p:grpSpPr>
+            <a:xfrm>
+              <a:off x="2710" y="3474"/>
+              <a:ext cx="1408" cy="2130"/>
+              <a:chOff x="2710" y="3474"/>
+              <a:chExt cx="1408" cy="2130"/>
+            </a:xfrm>
+          </p:grpSpPr>
+          <p:grpSp>
+            <p:nvGrpSpPr>
+              <p:cNvPr id="40" name="组合 39"/>
+              <p:cNvGrpSpPr/>
+              <p:nvPr/>
+            </p:nvGrpSpPr>
+            <p:grpSpPr>
+              <a:xfrm>
+                <a:off x="2710" y="3542"/>
+                <a:ext cx="1408" cy="2062"/>
+                <a:chOff x="2704" y="3520"/>
+                <a:chExt cx="1408" cy="2062"/>
+              </a:xfrm>
+            </p:grpSpPr>
+            <p:grpSp>
+              <p:nvGrpSpPr>
+                <p:cNvPr id="33" name="组合 32"/>
+                <p:cNvGrpSpPr/>
+                <p:nvPr/>
+              </p:nvGrpSpPr>
+              <p:grpSpPr>
+                <a:xfrm>
+                  <a:off x="2704" y="4928"/>
+                  <a:ext cx="1408" cy="654"/>
+                  <a:chOff x="3032" y="4939"/>
+                  <a:chExt cx="1408" cy="654"/>
+                </a:xfrm>
+              </p:grpSpPr>
+              <p:sp>
+                <p:nvSpPr>
+                  <p:cNvPr id="34" name="矩形 33"/>
+                  <p:cNvSpPr/>
+                  <p:nvPr/>
+                </p:nvSpPr>
+                <p:spPr>
+                  <a:xfrm>
+                    <a:off x="3032" y="4939"/>
+                    <a:ext cx="1408" cy="654"/>
+                  </a:xfrm>
+                  <a:prstGeom prst="rect">
+                    <a:avLst/>
+                  </a:prstGeom>
+                </p:spPr>
+                <p:style>
+                  <a:lnRef idx="2">
+                    <a:schemeClr val="accent1">
+                      <a:shade val="50000"/>
+                    </a:schemeClr>
+                  </a:lnRef>
+                  <a:fillRef idx="1">
+                    <a:schemeClr val="accent1"/>
+                  </a:fillRef>
+                  <a:effectRef idx="0">
+                    <a:schemeClr val="accent1"/>
+                  </a:effectRef>
+                  <a:fontRef idx="minor">
+                    <a:schemeClr val="lt1"/>
+                  </a:fontRef>
+                </p:style>
+                <p:txBody>
+                  <a:bodyPr rtlCol="0" anchor="ctr"/>
+                  <a:p>
+                    <a:pPr algn="ctr"/>
+                    <a:endParaRPr lang="en-US" altLang="zh-CN"/>
+                  </a:p>
+                </p:txBody>
+              </p:sp>
+              <p:sp>
+                <p:nvSpPr>
+                  <p:cNvPr id="35" name="文本框 34"/>
+                  <p:cNvSpPr txBox="1"/>
+                  <p:nvPr/>
+                </p:nvSpPr>
+                <p:spPr>
+                  <a:xfrm>
+                    <a:off x="3341" y="5207"/>
+                    <a:ext cx="789" cy="386"/>
+                  </a:xfrm>
+                  <a:prstGeom prst="rect">
+                    <a:avLst/>
+                  </a:prstGeom>
+                  <a:noFill/>
+                </p:spPr>
+                <p:txBody>
+                  <a:bodyPr wrap="square" rtlCol="0">
+                    <a:spAutoFit/>
+                  </a:bodyPr>
+                  <a:p>
+                    <a:r>
+                      <a:rPr lang="zh-CN" altLang="en-US" sz="1000"/>
+                      <a:t>设备</a:t>
+                    </a:r>
+                    <a:r>
+                      <a:rPr lang="en-US" altLang="zh-CN" sz="1000"/>
+                      <a:t>1</a:t>
+                    </a:r>
+                    <a:endParaRPr lang="en-US" altLang="zh-CN" sz="1000"/>
+                  </a:p>
+                </p:txBody>
+              </p:sp>
+              <p:sp>
+                <p:nvSpPr>
+                  <p:cNvPr id="36" name="文本框 35"/>
+                  <p:cNvSpPr txBox="1"/>
+                  <p:nvPr/>
+                </p:nvSpPr>
+                <p:spPr>
+                  <a:xfrm>
+                    <a:off x="3100" y="4939"/>
+                    <a:ext cx="514" cy="337"/>
+                  </a:xfrm>
+                  <a:prstGeom prst="rect">
+                    <a:avLst/>
+                  </a:prstGeom>
+                  <a:noFill/>
+                </p:spPr>
+                <p:txBody>
+                  <a:bodyPr wrap="none" rtlCol="0">
+                    <a:spAutoFit/>
+                  </a:bodyPr>
+                  <a:p>
+                    <a:pPr algn="l"/>
+                    <a:r>
+                      <a:rPr lang="en-US" altLang="zh-CN" sz="800"/>
+                      <a:t>SCL</a:t>
+                    </a:r>
+                    <a:endParaRPr lang="en-US" altLang="zh-CN" sz="800"/>
+                  </a:p>
+                </p:txBody>
+              </p:sp>
+              <p:sp>
+                <p:nvSpPr>
+                  <p:cNvPr id="37" name="文本框 36"/>
+                  <p:cNvSpPr txBox="1"/>
+                  <p:nvPr/>
+                </p:nvSpPr>
+                <p:spPr>
+                  <a:xfrm>
+                    <a:off x="3788" y="4939"/>
+                    <a:ext cx="553" cy="337"/>
+                  </a:xfrm>
+                  <a:prstGeom prst="rect">
+                    <a:avLst/>
+                  </a:prstGeom>
+                  <a:noFill/>
+                </p:spPr>
+                <p:txBody>
+                  <a:bodyPr wrap="none" rtlCol="0">
+                    <a:spAutoFit/>
+                  </a:bodyPr>
+                  <a:p>
+                    <a:pPr algn="l"/>
+                    <a:r>
+                      <a:rPr lang="en-US" altLang="zh-CN" sz="800"/>
+                      <a:t>SDA</a:t>
+                    </a:r>
+                    <a:endParaRPr lang="en-US" altLang="zh-CN" sz="800"/>
+                  </a:p>
+                </p:txBody>
+              </p:sp>
+            </p:grpSp>
+            <p:cxnSp>
+              <p:nvCxnSpPr>
+                <p:cNvPr id="38" name="直接连接符 37"/>
+                <p:cNvCxnSpPr/>
+                <p:nvPr/>
+              </p:nvCxnSpPr>
+              <p:spPr>
+                <a:xfrm flipH="1" flipV="1">
+                  <a:off x="3022" y="3520"/>
+                  <a:ext cx="7" cy="1408"/>
+                </a:xfrm>
+                <a:prstGeom prst="line">
+                  <a:avLst/>
+                </a:prstGeom>
+                <a:ln w="28575">
+                  <a:solidFill>
+                    <a:schemeClr val="tx1"/>
+                  </a:solidFill>
+                </a:ln>
+              </p:spPr>
+              <p:style>
+                <a:lnRef idx="1">
+                  <a:schemeClr val="accent1"/>
+                </a:lnRef>
+                <a:fillRef idx="0">
+                  <a:schemeClr val="accent1"/>
+                </a:fillRef>
+                <a:effectRef idx="0">
+                  <a:schemeClr val="accent1"/>
+                </a:effectRef>
+                <a:fontRef idx="minor">
+                  <a:schemeClr val="tx1"/>
+                </a:fontRef>
+              </p:style>
+            </p:cxnSp>
+            <p:cxnSp>
+              <p:nvCxnSpPr>
+                <p:cNvPr id="39" name="直接连接符 38"/>
+                <p:cNvCxnSpPr/>
+                <p:nvPr/>
+              </p:nvCxnSpPr>
+              <p:spPr>
+                <a:xfrm flipH="1" flipV="1">
+                  <a:off x="3733" y="3520"/>
+                  <a:ext cx="7" cy="1408"/>
+                </a:xfrm>
+                <a:prstGeom prst="line">
+                  <a:avLst/>
+                </a:prstGeom>
+                <a:ln w="28575">
+                  <a:solidFill>
+                    <a:schemeClr val="tx1"/>
+                  </a:solidFill>
+                </a:ln>
+              </p:spPr>
+              <p:style>
+                <a:lnRef idx="1">
+                  <a:schemeClr val="accent1"/>
+                </a:lnRef>
+                <a:fillRef idx="0">
+                  <a:schemeClr val="accent1"/>
+                </a:fillRef>
+                <a:effectRef idx="0">
+                  <a:schemeClr val="accent1"/>
+                </a:effectRef>
+                <a:fontRef idx="minor">
+                  <a:schemeClr val="tx1"/>
+                </a:fontRef>
+              </p:style>
+            </p:cxnSp>
+          </p:grpSp>
+          <p:sp>
+            <p:nvSpPr>
+              <p:cNvPr id="41" name="椭圆 40"/>
+              <p:cNvSpPr/>
+              <p:nvPr/>
+            </p:nvSpPr>
+            <p:spPr>
+              <a:xfrm>
+                <a:off x="2975" y="3474"/>
+                <a:ext cx="119" cy="119"/>
+              </a:xfrm>
+              <a:prstGeom prst="ellipse">
+                <a:avLst/>
+              </a:prstGeom>
+            </p:spPr>
+            <p:style>
+              <a:lnRef idx="2">
+                <a:schemeClr val="accent4">
+                  <a:shade val="50000"/>
+                </a:schemeClr>
+              </a:lnRef>
+              <a:fillRef idx="1">
+                <a:schemeClr val="accent4"/>
+              </a:fillRef>
+              <a:effectRef idx="0">
+                <a:schemeClr val="accent4"/>
+              </a:effectRef>
+              <a:fontRef idx="minor">
+                <a:schemeClr val="lt1"/>
+              </a:fontRef>
+            </p:style>
+            <p:txBody>
+              <a:bodyPr rtlCol="0" anchor="ctr"/>
+              <a:p>
+                <a:pPr algn="ctr"/>
+                <a:endParaRPr lang="zh-CN" altLang="en-US"/>
+              </a:p>
+            </p:txBody>
+          </p:sp>
+          <p:sp>
+            <p:nvSpPr>
+              <p:cNvPr id="42" name="椭圆 41"/>
+              <p:cNvSpPr/>
+              <p:nvPr/>
+            </p:nvSpPr>
+            <p:spPr>
+              <a:xfrm>
+                <a:off x="3677" y="4355"/>
+                <a:ext cx="119" cy="119"/>
+              </a:xfrm>
+              <a:prstGeom prst="ellipse">
+                <a:avLst/>
+              </a:prstGeom>
+            </p:spPr>
+            <p:style>
+              <a:lnRef idx="2">
+                <a:schemeClr val="accent2">
+                  <a:shade val="50000"/>
+                </a:schemeClr>
+              </a:lnRef>
+              <a:fillRef idx="1">
+                <a:schemeClr val="accent2"/>
+              </a:fillRef>
+              <a:effectRef idx="0">
+                <a:schemeClr val="accent2"/>
+              </a:effectRef>
+              <a:fontRef idx="minor">
+                <a:schemeClr val="lt1"/>
+              </a:fontRef>
+            </p:style>
+            <p:txBody>
+              <a:bodyPr rtlCol="0" anchor="ctr"/>
+              <a:p>
+                <a:pPr algn="ctr"/>
+                <a:endParaRPr lang="zh-CN" altLang="en-US"/>
+              </a:p>
+            </p:txBody>
+          </p:sp>
+        </p:grpSp>
+        <p:grpSp>
+          <p:nvGrpSpPr>
+            <p:cNvPr id="44" name="组合 43"/>
+            <p:cNvGrpSpPr/>
+            <p:nvPr/>
+          </p:nvGrpSpPr>
+          <p:grpSpPr>
+            <a:xfrm>
+              <a:off x="4545" y="3474"/>
+              <a:ext cx="1408" cy="2130"/>
+              <a:chOff x="2710" y="3474"/>
+              <a:chExt cx="1408" cy="2130"/>
+            </a:xfrm>
+          </p:grpSpPr>
+          <p:grpSp>
+            <p:nvGrpSpPr>
+              <p:cNvPr id="45" name="组合 44"/>
+              <p:cNvGrpSpPr/>
+              <p:nvPr/>
+            </p:nvGrpSpPr>
+            <p:grpSpPr>
+              <a:xfrm>
+                <a:off x="2710" y="3542"/>
+                <a:ext cx="1408" cy="2062"/>
+                <a:chOff x="2704" y="3520"/>
+                <a:chExt cx="1408" cy="2062"/>
+              </a:xfrm>
+            </p:grpSpPr>
+            <p:grpSp>
+              <p:nvGrpSpPr>
+                <p:cNvPr id="46" name="组合 45"/>
+                <p:cNvGrpSpPr/>
+                <p:nvPr/>
+              </p:nvGrpSpPr>
+              <p:grpSpPr>
+                <a:xfrm>
+                  <a:off x="2704" y="4928"/>
+                  <a:ext cx="1408" cy="654"/>
+                  <a:chOff x="3032" y="4939"/>
+                  <a:chExt cx="1408" cy="654"/>
+                </a:xfrm>
+              </p:grpSpPr>
+              <p:sp>
+                <p:nvSpPr>
+                  <p:cNvPr id="47" name="矩形 46"/>
+                  <p:cNvSpPr/>
+                  <p:nvPr/>
+                </p:nvSpPr>
+                <p:spPr>
+                  <a:xfrm>
+                    <a:off x="3032" y="4939"/>
+                    <a:ext cx="1408" cy="654"/>
+                  </a:xfrm>
+                  <a:prstGeom prst="rect">
+                    <a:avLst/>
+                  </a:prstGeom>
+                </p:spPr>
+                <p:style>
+                  <a:lnRef idx="2">
+                    <a:schemeClr val="accent1">
+                      <a:shade val="50000"/>
+                    </a:schemeClr>
+                  </a:lnRef>
+                  <a:fillRef idx="1">
+                    <a:schemeClr val="accent1"/>
+                  </a:fillRef>
+                  <a:effectRef idx="0">
+                    <a:schemeClr val="accent1"/>
+                  </a:effectRef>
+                  <a:fontRef idx="minor">
+                    <a:schemeClr val="lt1"/>
+                  </a:fontRef>
+                </p:style>
+                <p:txBody>
+                  <a:bodyPr rtlCol="0" anchor="ctr"/>
+                  <a:p>
+                    <a:pPr algn="ctr"/>
+                    <a:endParaRPr lang="en-US" altLang="zh-CN"/>
+                  </a:p>
+                </p:txBody>
+              </p:sp>
+              <p:sp>
+                <p:nvSpPr>
+                  <p:cNvPr id="48" name="文本框 47"/>
+                  <p:cNvSpPr txBox="1"/>
+                  <p:nvPr/>
+                </p:nvSpPr>
+                <p:spPr>
+                  <a:xfrm>
+                    <a:off x="3341" y="5207"/>
+                    <a:ext cx="789" cy="386"/>
+                  </a:xfrm>
+                  <a:prstGeom prst="rect">
+                    <a:avLst/>
+                  </a:prstGeom>
+                  <a:noFill/>
+                </p:spPr>
+                <p:txBody>
+                  <a:bodyPr wrap="square" rtlCol="0">
+                    <a:spAutoFit/>
+                  </a:bodyPr>
+                  <a:p>
+                    <a:r>
+                      <a:rPr lang="zh-CN" altLang="en-US" sz="1000"/>
+                      <a:t>设备</a:t>
+                    </a:r>
+                    <a:r>
+                      <a:rPr lang="en-US" altLang="zh-CN" sz="1000"/>
+                      <a:t>2</a:t>
+                    </a:r>
+                    <a:endParaRPr lang="en-US" altLang="zh-CN" sz="1000"/>
+                  </a:p>
+                </p:txBody>
+              </p:sp>
+              <p:sp>
+                <p:nvSpPr>
+                  <p:cNvPr id="49" name="文本框 48"/>
+                  <p:cNvSpPr txBox="1"/>
+                  <p:nvPr/>
+                </p:nvSpPr>
+                <p:spPr>
+                  <a:xfrm>
+                    <a:off x="3100" y="4939"/>
+                    <a:ext cx="514" cy="337"/>
+                  </a:xfrm>
+                  <a:prstGeom prst="rect">
+                    <a:avLst/>
+                  </a:prstGeom>
+                  <a:noFill/>
+                </p:spPr>
+                <p:txBody>
+                  <a:bodyPr wrap="none" rtlCol="0">
+                    <a:spAutoFit/>
+                  </a:bodyPr>
+                  <a:p>
+                    <a:pPr algn="l"/>
+                    <a:r>
+                      <a:rPr lang="en-US" altLang="zh-CN" sz="800"/>
+                      <a:t>SCL</a:t>
+                    </a:r>
+                    <a:endParaRPr lang="en-US" altLang="zh-CN" sz="800"/>
+                  </a:p>
+                </p:txBody>
+              </p:sp>
+              <p:sp>
+                <p:nvSpPr>
+                  <p:cNvPr id="50" name="文本框 49"/>
+                  <p:cNvSpPr txBox="1"/>
+                  <p:nvPr/>
+                </p:nvSpPr>
+                <p:spPr>
+                  <a:xfrm>
+                    <a:off x="3788" y="4939"/>
+                    <a:ext cx="553" cy="337"/>
+                  </a:xfrm>
+                  <a:prstGeom prst="rect">
+                    <a:avLst/>
+                  </a:prstGeom>
+                  <a:noFill/>
+                </p:spPr>
+                <p:txBody>
+                  <a:bodyPr wrap="none" rtlCol="0">
+                    <a:spAutoFit/>
+                  </a:bodyPr>
+                  <a:p>
+                    <a:pPr algn="l"/>
+                    <a:r>
+                      <a:rPr lang="en-US" altLang="zh-CN" sz="800"/>
+                      <a:t>SDA</a:t>
+                    </a:r>
+                    <a:endParaRPr lang="en-US" altLang="zh-CN" sz="800"/>
+                  </a:p>
+                </p:txBody>
+              </p:sp>
+            </p:grpSp>
+            <p:cxnSp>
+              <p:nvCxnSpPr>
+                <p:cNvPr id="51" name="直接连接符 50"/>
+                <p:cNvCxnSpPr/>
+                <p:nvPr/>
+              </p:nvCxnSpPr>
+              <p:spPr>
+                <a:xfrm flipH="1" flipV="1">
+                  <a:off x="3022" y="3520"/>
+                  <a:ext cx="7" cy="1408"/>
+                </a:xfrm>
+                <a:prstGeom prst="line">
+                  <a:avLst/>
+                </a:prstGeom>
+                <a:ln w="28575">
+                  <a:solidFill>
+                    <a:schemeClr val="tx1"/>
+                  </a:solidFill>
+                </a:ln>
+              </p:spPr>
+              <p:style>
+                <a:lnRef idx="1">
+                  <a:schemeClr val="accent1"/>
+                </a:lnRef>
+                <a:fillRef idx="0">
+                  <a:schemeClr val="accent1"/>
+                </a:fillRef>
+                <a:effectRef idx="0">
+                  <a:schemeClr val="accent1"/>
+                </a:effectRef>
+                <a:fontRef idx="minor">
+                  <a:schemeClr val="tx1"/>
+                </a:fontRef>
+              </p:style>
+            </p:cxnSp>
+            <p:cxnSp>
+              <p:nvCxnSpPr>
+                <p:cNvPr id="52" name="直接连接符 51"/>
+                <p:cNvCxnSpPr/>
+                <p:nvPr/>
+              </p:nvCxnSpPr>
+              <p:spPr>
+                <a:xfrm flipH="1" flipV="1">
+                  <a:off x="3733" y="3520"/>
+                  <a:ext cx="7" cy="1408"/>
+                </a:xfrm>
+                <a:prstGeom prst="line">
+                  <a:avLst/>
+                </a:prstGeom>
+                <a:ln w="28575">
+                  <a:solidFill>
+                    <a:schemeClr val="tx1"/>
+                  </a:solidFill>
+                </a:ln>
+              </p:spPr>
+              <p:style>
+                <a:lnRef idx="1">
+                  <a:schemeClr val="accent1"/>
+                </a:lnRef>
+                <a:fillRef idx="0">
+                  <a:schemeClr val="accent1"/>
+                </a:fillRef>
+                <a:effectRef idx="0">
+                  <a:schemeClr val="accent1"/>
+                </a:effectRef>
+                <a:fontRef idx="minor">
+                  <a:schemeClr val="tx1"/>
+                </a:fontRef>
+              </p:style>
+            </p:cxnSp>
+          </p:grpSp>
+          <p:sp>
+            <p:nvSpPr>
+              <p:cNvPr id="53" name="椭圆 52"/>
+              <p:cNvSpPr/>
+              <p:nvPr/>
+            </p:nvSpPr>
+            <p:spPr>
+              <a:xfrm>
+                <a:off x="2975" y="3474"/>
+                <a:ext cx="119" cy="119"/>
+              </a:xfrm>
+              <a:prstGeom prst="ellipse">
+                <a:avLst/>
+              </a:prstGeom>
+            </p:spPr>
+            <p:style>
+              <a:lnRef idx="2">
+                <a:schemeClr val="accent4">
+                  <a:shade val="50000"/>
+                </a:schemeClr>
+              </a:lnRef>
+              <a:fillRef idx="1">
+                <a:schemeClr val="accent4"/>
+              </a:fillRef>
+              <a:effectRef idx="0">
+                <a:schemeClr val="accent4"/>
+              </a:effectRef>
+              <a:fontRef idx="minor">
+                <a:schemeClr val="lt1"/>
+              </a:fontRef>
+            </p:style>
+            <p:txBody>
+              <a:bodyPr rtlCol="0" anchor="ctr"/>
+              <a:p>
+                <a:pPr algn="ctr"/>
+                <a:endParaRPr lang="zh-CN" altLang="en-US"/>
+              </a:p>
+            </p:txBody>
+          </p:sp>
+          <p:sp>
+            <p:nvSpPr>
+              <p:cNvPr id="54" name="椭圆 53"/>
+              <p:cNvSpPr/>
+              <p:nvPr/>
+            </p:nvSpPr>
+            <p:spPr>
+              <a:xfrm>
+                <a:off x="3677" y="4355"/>
+                <a:ext cx="119" cy="119"/>
+              </a:xfrm>
+              <a:prstGeom prst="ellipse">
+                <a:avLst/>
+              </a:prstGeom>
+            </p:spPr>
+            <p:style>
+              <a:lnRef idx="2">
+                <a:schemeClr val="accent2">
+                  <a:shade val="50000"/>
+                </a:schemeClr>
+              </a:lnRef>
+              <a:fillRef idx="1">
+                <a:schemeClr val="accent2"/>
+              </a:fillRef>
+              <a:effectRef idx="0">
+                <a:schemeClr val="accent2"/>
+              </a:effectRef>
+              <a:fontRef idx="minor">
+                <a:schemeClr val="lt1"/>
+              </a:fontRef>
+            </p:style>
+            <p:txBody>
+              <a:bodyPr rtlCol="0" anchor="ctr"/>
+              <a:p>
+                <a:pPr algn="ctr"/>
+                <a:endParaRPr lang="zh-CN" altLang="en-US"/>
+              </a:p>
+            </p:txBody>
+          </p:sp>
+        </p:grpSp>
+        <p:grpSp>
+          <p:nvGrpSpPr>
+            <p:cNvPr id="55" name="组合 54"/>
+            <p:cNvGrpSpPr/>
+            <p:nvPr/>
+          </p:nvGrpSpPr>
+          <p:grpSpPr>
+            <a:xfrm>
+              <a:off x="6281" y="3474"/>
+              <a:ext cx="1408" cy="2130"/>
+              <a:chOff x="2710" y="3474"/>
+              <a:chExt cx="1408" cy="2130"/>
+            </a:xfrm>
+          </p:grpSpPr>
+          <p:grpSp>
+            <p:nvGrpSpPr>
+              <p:cNvPr id="56" name="组合 55"/>
+              <p:cNvGrpSpPr/>
+              <p:nvPr/>
+            </p:nvGrpSpPr>
+            <p:grpSpPr>
+              <a:xfrm>
+                <a:off x="2710" y="3542"/>
+                <a:ext cx="1408" cy="2062"/>
+                <a:chOff x="2704" y="3520"/>
+                <a:chExt cx="1408" cy="2062"/>
+              </a:xfrm>
+            </p:grpSpPr>
+            <p:grpSp>
+              <p:nvGrpSpPr>
+                <p:cNvPr id="57" name="组合 56"/>
+                <p:cNvGrpSpPr/>
+                <p:nvPr/>
+              </p:nvGrpSpPr>
+              <p:grpSpPr>
+                <a:xfrm>
+                  <a:off x="2704" y="4928"/>
+                  <a:ext cx="1408" cy="654"/>
+                  <a:chOff x="3032" y="4939"/>
+                  <a:chExt cx="1408" cy="654"/>
+                </a:xfrm>
+              </p:grpSpPr>
+              <p:sp>
+                <p:nvSpPr>
+                  <p:cNvPr id="58" name="矩形 57"/>
+                  <p:cNvSpPr/>
+                  <p:nvPr/>
+                </p:nvSpPr>
+                <p:spPr>
+                  <a:xfrm>
+                    <a:off x="3032" y="4939"/>
+                    <a:ext cx="1408" cy="654"/>
+                  </a:xfrm>
+                  <a:prstGeom prst="rect">
+                    <a:avLst/>
+                  </a:prstGeom>
+                </p:spPr>
+                <p:style>
+                  <a:lnRef idx="2">
+                    <a:schemeClr val="accent1">
+                      <a:shade val="50000"/>
+                    </a:schemeClr>
+                  </a:lnRef>
+                  <a:fillRef idx="1">
+                    <a:schemeClr val="accent1"/>
+                  </a:fillRef>
+                  <a:effectRef idx="0">
+                    <a:schemeClr val="accent1"/>
+                  </a:effectRef>
+                  <a:fontRef idx="minor">
+                    <a:schemeClr val="lt1"/>
+                  </a:fontRef>
+                </p:style>
+                <p:txBody>
+                  <a:bodyPr rtlCol="0" anchor="ctr"/>
+                  <a:p>
+                    <a:pPr algn="ctr"/>
+                    <a:endParaRPr lang="en-US" altLang="zh-CN"/>
+                  </a:p>
+                </p:txBody>
+              </p:sp>
+              <p:sp>
+                <p:nvSpPr>
+                  <p:cNvPr id="59" name="文本框 58"/>
+                  <p:cNvSpPr txBox="1"/>
+                  <p:nvPr/>
+                </p:nvSpPr>
+                <p:spPr>
+                  <a:xfrm>
+                    <a:off x="3341" y="5207"/>
+                    <a:ext cx="789" cy="386"/>
+                  </a:xfrm>
+                  <a:prstGeom prst="rect">
+                    <a:avLst/>
+                  </a:prstGeom>
+                  <a:noFill/>
+                </p:spPr>
+                <p:txBody>
+                  <a:bodyPr wrap="square" rtlCol="0">
+                    <a:spAutoFit/>
+                  </a:bodyPr>
+                  <a:p>
+                    <a:r>
+                      <a:rPr lang="zh-CN" altLang="en-US" sz="1000"/>
+                      <a:t>设备</a:t>
+                    </a:r>
+                    <a:r>
+                      <a:rPr lang="en-US" altLang="zh-CN" sz="1000"/>
+                      <a:t>2</a:t>
+                    </a:r>
+                    <a:endParaRPr lang="en-US" altLang="zh-CN" sz="1000"/>
+                  </a:p>
+                </p:txBody>
+              </p:sp>
+              <p:sp>
+                <p:nvSpPr>
+                  <p:cNvPr id="60" name="文本框 59"/>
+                  <p:cNvSpPr txBox="1"/>
+                  <p:nvPr/>
+                </p:nvSpPr>
+                <p:spPr>
+                  <a:xfrm>
+                    <a:off x="3100" y="4939"/>
+                    <a:ext cx="514" cy="337"/>
+                  </a:xfrm>
+                  <a:prstGeom prst="rect">
+                    <a:avLst/>
+                  </a:prstGeom>
+                  <a:noFill/>
+                </p:spPr>
+                <p:txBody>
+                  <a:bodyPr wrap="none" rtlCol="0">
+                    <a:spAutoFit/>
+                  </a:bodyPr>
+                  <a:p>
+                    <a:pPr algn="l"/>
+                    <a:r>
+                      <a:rPr lang="en-US" altLang="zh-CN" sz="800"/>
+                      <a:t>SCL</a:t>
+                    </a:r>
+                    <a:endParaRPr lang="en-US" altLang="zh-CN" sz="800"/>
+                  </a:p>
+                </p:txBody>
+              </p:sp>
+              <p:sp>
+                <p:nvSpPr>
+                  <p:cNvPr id="61" name="文本框 60"/>
+                  <p:cNvSpPr txBox="1"/>
+                  <p:nvPr/>
+                </p:nvSpPr>
+                <p:spPr>
+                  <a:xfrm>
+                    <a:off x="3788" y="4939"/>
+                    <a:ext cx="553" cy="337"/>
+                  </a:xfrm>
+                  <a:prstGeom prst="rect">
+                    <a:avLst/>
+                  </a:prstGeom>
+                  <a:noFill/>
+                </p:spPr>
+                <p:txBody>
+                  <a:bodyPr wrap="none" rtlCol="0">
+                    <a:spAutoFit/>
+                  </a:bodyPr>
+                  <a:p>
+                    <a:pPr algn="l"/>
+                    <a:r>
+                      <a:rPr lang="en-US" altLang="zh-CN" sz="800"/>
+                      <a:t>SDA</a:t>
+                    </a:r>
+                    <a:endParaRPr lang="en-US" altLang="zh-CN" sz="800"/>
+                  </a:p>
+                </p:txBody>
+              </p:sp>
+            </p:grpSp>
+            <p:cxnSp>
+              <p:nvCxnSpPr>
+                <p:cNvPr id="62" name="直接连接符 61"/>
+                <p:cNvCxnSpPr/>
+                <p:nvPr/>
+              </p:nvCxnSpPr>
+              <p:spPr>
+                <a:xfrm flipH="1" flipV="1">
+                  <a:off x="3022" y="3520"/>
+                  <a:ext cx="7" cy="1408"/>
+                </a:xfrm>
+                <a:prstGeom prst="line">
+                  <a:avLst/>
+                </a:prstGeom>
+                <a:ln w="28575">
+                  <a:solidFill>
+                    <a:schemeClr val="tx1"/>
+                  </a:solidFill>
+                </a:ln>
+              </p:spPr>
+              <p:style>
+                <a:lnRef idx="1">
+                  <a:schemeClr val="accent1"/>
+                </a:lnRef>
+                <a:fillRef idx="0">
+                  <a:schemeClr val="accent1"/>
+                </a:fillRef>
+                <a:effectRef idx="0">
+                  <a:schemeClr val="accent1"/>
+                </a:effectRef>
+                <a:fontRef idx="minor">
+                  <a:schemeClr val="tx1"/>
+                </a:fontRef>
+              </p:style>
+            </p:cxnSp>
+            <p:cxnSp>
+              <p:nvCxnSpPr>
+                <p:cNvPr id="63" name="直接连接符 62"/>
+                <p:cNvCxnSpPr/>
+                <p:nvPr/>
+              </p:nvCxnSpPr>
+              <p:spPr>
+                <a:xfrm flipH="1" flipV="1">
+                  <a:off x="3733" y="3520"/>
+                  <a:ext cx="7" cy="1408"/>
+                </a:xfrm>
+                <a:prstGeom prst="line">
+                  <a:avLst/>
+                </a:prstGeom>
+                <a:ln w="28575">
+                  <a:solidFill>
+                    <a:schemeClr val="tx1"/>
+                  </a:solidFill>
+                </a:ln>
+              </p:spPr>
+              <p:style>
+                <a:lnRef idx="1">
+                  <a:schemeClr val="accent1"/>
+                </a:lnRef>
+                <a:fillRef idx="0">
+                  <a:schemeClr val="accent1"/>
+                </a:fillRef>
+                <a:effectRef idx="0">
+                  <a:schemeClr val="accent1"/>
+                </a:effectRef>
+                <a:fontRef idx="minor">
+                  <a:schemeClr val="tx1"/>
+                </a:fontRef>
+              </p:style>
+            </p:cxnSp>
+          </p:grpSp>
+          <p:sp>
+            <p:nvSpPr>
+              <p:cNvPr id="64" name="椭圆 63"/>
+              <p:cNvSpPr/>
+              <p:nvPr/>
+            </p:nvSpPr>
+            <p:spPr>
+              <a:xfrm>
+                <a:off x="2975" y="3474"/>
+                <a:ext cx="119" cy="119"/>
+              </a:xfrm>
+              <a:prstGeom prst="ellipse">
+                <a:avLst/>
+              </a:prstGeom>
+            </p:spPr>
+            <p:style>
+              <a:lnRef idx="2">
+                <a:schemeClr val="accent4">
+                  <a:shade val="50000"/>
+                </a:schemeClr>
+              </a:lnRef>
+              <a:fillRef idx="1">
+                <a:schemeClr val="accent4"/>
+              </a:fillRef>
+              <a:effectRef idx="0">
+                <a:schemeClr val="accent4"/>
+              </a:effectRef>
+              <a:fontRef idx="minor">
+                <a:schemeClr val="lt1"/>
+              </a:fontRef>
+            </p:style>
+            <p:txBody>
+              <a:bodyPr rtlCol="0" anchor="ctr"/>
+              <a:p>
+                <a:pPr algn="ctr"/>
+                <a:endParaRPr lang="zh-CN" altLang="en-US"/>
+              </a:p>
+            </p:txBody>
+          </p:sp>
+          <p:sp>
+            <p:nvSpPr>
+              <p:cNvPr id="65" name="椭圆 64"/>
+              <p:cNvSpPr/>
+              <p:nvPr/>
+            </p:nvSpPr>
+            <p:spPr>
+              <a:xfrm>
+                <a:off x="3677" y="4355"/>
+                <a:ext cx="119" cy="119"/>
+              </a:xfrm>
+              <a:prstGeom prst="ellipse">
+                <a:avLst/>
+              </a:prstGeom>
+            </p:spPr>
+            <p:style>
+              <a:lnRef idx="2">
+                <a:schemeClr val="accent2">
+                  <a:shade val="50000"/>
+                </a:schemeClr>
+              </a:lnRef>
+              <a:fillRef idx="1">
+                <a:schemeClr val="accent2"/>
+              </a:fillRef>
+              <a:effectRef idx="0">
+                <a:schemeClr val="accent2"/>
+              </a:effectRef>
+              <a:fontRef idx="minor">
+                <a:schemeClr val="lt1"/>
+              </a:fontRef>
+            </p:style>
+            <p:txBody>
+              <a:bodyPr rtlCol="0" anchor="ctr"/>
+              <a:p>
+                <a:pPr algn="ctr"/>
+                <a:endParaRPr lang="zh-CN" altLang="en-US"/>
+              </a:p>
+            </p:txBody>
+          </p:sp>
+        </p:grpSp>
+        <p:sp>
+          <p:nvSpPr>
+            <p:cNvPr id="66" name="椭圆 65"/>
+            <p:cNvSpPr/>
+            <p:nvPr/>
+          </p:nvSpPr>
+          <p:spPr>
+            <a:xfrm>
+              <a:off x="7847" y="3883"/>
+              <a:ext cx="119" cy="119"/>
+            </a:xfrm>
+            <a:prstGeom prst="ellipse">
+              <a:avLst/>
+            </a:prstGeom>
+          </p:spPr>
+          <p:style>
+            <a:lnRef idx="2">
+              <a:schemeClr val="accent1">
+                <a:shade val="50000"/>
+              </a:schemeClr>
+            </a:lnRef>
+            <a:fillRef idx="1">
+              <a:schemeClr val="accent1"/>
+            </a:fillRef>
+            <a:effectRef idx="0">
+              <a:schemeClr val="accent1"/>
+            </a:effectRef>
+            <a:fontRef idx="minor">
+              <a:schemeClr val="lt1"/>
+            </a:fontRef>
+          </p:style>
+          <p:txBody>
+            <a:bodyPr rtlCol="0" anchor="ctr"/>
+            <a:p>
+              <a:pPr algn="ctr"/>
+              <a:endParaRPr lang="zh-CN" altLang="en-US"/>
+            </a:p>
+          </p:txBody>
+        </p:sp>
+        <p:sp>
+          <p:nvSpPr>
+            <p:cNvPr id="67" name="椭圆 66"/>
+            <p:cNvSpPr/>
+            <p:nvPr/>
+          </p:nvSpPr>
+          <p:spPr>
+            <a:xfrm>
+              <a:off x="8276" y="3879"/>
+              <a:ext cx="119" cy="119"/>
+            </a:xfrm>
+            <a:prstGeom prst="ellipse">
+              <a:avLst/>
+            </a:prstGeom>
+          </p:spPr>
+          <p:style>
+            <a:lnRef idx="2">
+              <a:schemeClr val="accent1">
+                <a:shade val="50000"/>
+              </a:schemeClr>
+            </a:lnRef>
+            <a:fillRef idx="1">
+              <a:schemeClr val="accent1"/>
+            </a:fillRef>
+            <a:effectRef idx="0">
+              <a:schemeClr val="accent1"/>
+            </a:effectRef>
+            <a:fontRef idx="minor">
+              <a:schemeClr val="lt1"/>
+            </a:fontRef>
+          </p:style>
+          <p:txBody>
+            <a:bodyPr rtlCol="0" anchor="ctr"/>
+            <a:p>
+              <a:pPr algn="ctr"/>
+              <a:endParaRPr lang="zh-CN" altLang="en-US"/>
+            </a:p>
+          </p:txBody>
+        </p:sp>
+        <p:sp>
+          <p:nvSpPr>
+            <p:cNvPr id="68" name="椭圆 67"/>
+            <p:cNvSpPr/>
+            <p:nvPr/>
+          </p:nvSpPr>
+          <p:spPr>
+            <a:xfrm>
+              <a:off x="8674" y="3879"/>
+              <a:ext cx="119" cy="119"/>
+            </a:xfrm>
+            <a:prstGeom prst="ellipse">
+              <a:avLst/>
+            </a:prstGeom>
+          </p:spPr>
+          <p:style>
+            <a:lnRef idx="2">
+              <a:schemeClr val="accent1">
+                <a:shade val="50000"/>
+              </a:schemeClr>
+            </a:lnRef>
+            <a:fillRef idx="1">
+              <a:schemeClr val="accent1"/>
+            </a:fillRef>
+            <a:effectRef idx="0">
+              <a:schemeClr val="accent1"/>
+            </a:effectRef>
+            <a:fontRef idx="minor">
+              <a:schemeClr val="lt1"/>
+            </a:fontRef>
+          </p:style>
+          <p:txBody>
+            <a:bodyPr rtlCol="0" anchor="ctr"/>
+            <a:p>
+              <a:pPr algn="ctr"/>
+              <a:endParaRPr lang="zh-CN" altLang="en-US"/>
+            </a:p>
+          </p:txBody>
+        </p:sp>
+      </p:grpSp>
+      <p:sp>
+        <p:nvSpPr>
+          <p:cNvPr id="71" name="文本框 70"/>
+          <p:cNvSpPr txBox="1"/>
+          <p:nvPr/>
+        </p:nvSpPr>
+        <p:spPr>
+          <a:xfrm>
+            <a:off x="502920" y="2162810"/>
+            <a:ext cx="7294880" cy="521970"/>
+          </a:xfrm>
+          <a:prstGeom prst="rect">
+            <a:avLst/>
+          </a:prstGeom>
+          <a:noFill/>
+        </p:spPr>
+        <p:txBody>
+          <a:bodyPr wrap="none" rtlCol="0">
+            <a:spAutoFit/>
+          </a:bodyPr>
+          <a:p>
+            <a:pPr algn="l"/>
+            <a:r>
+              <a:rPr lang="zh-CN" altLang="en-US" sz="1400"/>
+              <a:t>主从设备挂载方式，</a:t>
+            </a:r>
+            <a:r>
+              <a:rPr lang="en-US" altLang="zh-CN" sz="1400"/>
+              <a:t>I2C</a:t>
+            </a:r>
+            <a:r>
+              <a:rPr lang="zh-CN" altLang="en-US" sz="1400"/>
+              <a:t>有两条数据线，</a:t>
+            </a:r>
+            <a:r>
+              <a:rPr lang="en-US" altLang="zh-CN" sz="1400"/>
+              <a:t>SCL</a:t>
+            </a:r>
+            <a:r>
+              <a:rPr lang="zh-CN" altLang="en-US" sz="1400">
+                <a:ea typeface="宋体" panose="02010600030101010101" pitchFamily="2" charset="-122"/>
+              </a:rPr>
+              <a:t>（</a:t>
+            </a:r>
+            <a:r>
+              <a:rPr lang="zh-CN" altLang="en-US" sz="1400"/>
+              <a:t>串行时钟线）</a:t>
+            </a:r>
+            <a:r>
+              <a:rPr lang="zh-CN" altLang="en-US" sz="1400">
+                <a:ea typeface="宋体" panose="02010600030101010101" pitchFamily="2" charset="-122"/>
+              </a:rPr>
+              <a:t>，</a:t>
+            </a:r>
+            <a:r>
+              <a:rPr lang="en-US" altLang="zh-CN" sz="1400">
+                <a:ea typeface="宋体" panose="02010600030101010101" pitchFamily="2" charset="-122"/>
+              </a:rPr>
+              <a:t>SDA</a:t>
+            </a:r>
+            <a:r>
+              <a:rPr lang="zh-CN" altLang="en-US" sz="1400">
+                <a:ea typeface="宋体" panose="02010600030101010101" pitchFamily="2" charset="-122"/>
+              </a:rPr>
+              <a:t>（串行数据线），</a:t>
+            </a:r>
+            <a:endParaRPr lang="zh-CN" altLang="en-US" sz="1400">
+              <a:ea typeface="宋体" panose="02010600030101010101" pitchFamily="2" charset="-122"/>
+            </a:endParaRPr>
+          </a:p>
+          <a:p>
+            <a:pPr algn="l"/>
+            <a:r>
+              <a:rPr lang="en-US" altLang="zh-CN" sz="1400">
+                <a:ea typeface="宋体" panose="02010600030101010101" pitchFamily="2" charset="-122"/>
+              </a:rPr>
+              <a:t>可用于发送和接收数据，但是通信都是由主设备发起，从设备被动响应，实现数据的传输。</a:t>
+            </a:r>
+            <a:endParaRPr lang="en-US" altLang="zh-CN" sz="1400">
+              <a:ea typeface="宋体" panose="02010600030101010101" pitchFamily="2" charset="-122"/>
+            </a:endParaRPr>
+          </a:p>
+        </p:txBody>
+      </p:sp>
+    </p:spTree>
+  </p:cSld>
+  <p:clrMapOvr>
+    <a:masterClrMapping/>
+  </p:clrMapOvr>
+</p:sld>
+</file>
+
+<file path=ppt/slides/slide8.xml><?xml version="1.0" encoding="utf-8"?>
+<p:sld xmlns:a="http://schemas.openxmlformats.org/drawingml/2006/main" xmlns:r="http://schemas.openxmlformats.org/officeDocument/2006/relationships" xmlns:p="http://schemas.openxmlformats.org/presentationml/2006/main">
+  <p:cSld>
+    <p:spTree>
+      <p:nvGrpSpPr>
+        <p:cNvPr id="1" name=""/>
+        <p:cNvGrpSpPr/>
+        <p:nvPr/>
+      </p:nvGrpSpPr>
+      <p:grpSpPr/>
+      <p:sp>
+        <p:nvSpPr>
+          <p:cNvPr id="3" name="文本占位符 2"/>
+          <p:cNvSpPr>
+            <a:spLocks noGrp="1"/>
+          </p:cNvSpPr>
+          <p:nvPr>
+            <p:ph type="body" sz="quarter" idx="11"/>
+          </p:nvPr>
+        </p:nvSpPr>
+        <p:spPr/>
+        <p:txBody>
+          <a:bodyPr/>
+          <a:p>
+            <a:pPr algn="l"/>
+            <a:r>
+              <a:rPr lang="zh-CN" altLang="en-US">
+                <a:sym typeface="+mn-ea"/>
+              </a:rPr>
+              <a:t>I</a:t>
+            </a:r>
+            <a:r>
+              <a:rPr lang="en-US" altLang="zh-CN">
+                <a:sym typeface="+mn-ea"/>
+              </a:rPr>
+              <a:t>I</a:t>
+            </a:r>
+            <a:r>
+              <a:rPr lang="zh-CN" altLang="en-US">
+                <a:sym typeface="+mn-ea"/>
+              </a:rPr>
+              <a:t>C通信过程</a:t>
+            </a:r>
+            <a:endParaRPr lang="zh-CN" altLang="en-US"/>
+          </a:p>
+        </p:txBody>
+      </p:sp>
+      <p:sp>
+        <p:nvSpPr>
+          <p:cNvPr id="5" name="文本框 4"/>
+          <p:cNvSpPr txBox="1"/>
+          <p:nvPr/>
+        </p:nvSpPr>
+        <p:spPr>
+          <a:xfrm>
+            <a:off x="539750" y="867410"/>
+            <a:ext cx="7855585" cy="1383665"/>
+          </a:xfrm>
+          <a:prstGeom prst="rect">
+            <a:avLst/>
+          </a:prstGeom>
+          <a:noFill/>
+        </p:spPr>
+        <p:txBody>
+          <a:bodyPr wrap="none" rtlCol="0">
+            <a:spAutoFit/>
+          </a:bodyPr>
+          <a:p>
+            <a:r>
+              <a:rPr lang="zh-CN" altLang="zh-CN" sz="1400">
+                <a:ea typeface="宋体" panose="02010600030101010101" pitchFamily="2" charset="-122"/>
+              </a:rPr>
+              <a:t>主设备发送数据</a:t>
+            </a:r>
+            <a:r>
+              <a:rPr lang="zh-CN" altLang="zh-CN" sz="1400">
+                <a:ea typeface="宋体" panose="02010600030101010101" pitchFamily="2" charset="-122"/>
+              </a:rPr>
+              <a:t>给从设备</a:t>
+            </a:r>
+            <a:endParaRPr lang="zh-CN" altLang="en-US" sz="1400">
+              <a:ea typeface="宋体" panose="02010600030101010101" pitchFamily="2" charset="-122"/>
+            </a:endParaRPr>
+          </a:p>
+          <a:p>
+            <a:pPr marL="342900" indent="-342900">
+              <a:buFont typeface="+mj-lt"/>
+              <a:buAutoNum type="arabicPeriod"/>
+            </a:pPr>
+            <a:r>
+              <a:rPr lang="zh-CN" altLang="en-US" sz="1400">
+                <a:ea typeface="宋体" panose="02010600030101010101" pitchFamily="2" charset="-122"/>
+              </a:rPr>
+              <a:t>主设备发送起始</a:t>
+            </a:r>
+            <a:r>
+              <a:rPr lang="en-US" altLang="zh-CN" sz="1400">
+                <a:ea typeface="宋体" panose="02010600030101010101" pitchFamily="2" charset="-122"/>
+              </a:rPr>
+              <a:t>(Start)</a:t>
+            </a:r>
+            <a:r>
+              <a:rPr lang="zh-CN" altLang="en-US" sz="1400">
+                <a:ea typeface="宋体" panose="02010600030101010101" pitchFamily="2" charset="-122"/>
+              </a:rPr>
+              <a:t>信号</a:t>
+            </a:r>
+            <a:endParaRPr lang="zh-CN" altLang="en-US" sz="1400">
+              <a:ea typeface="宋体" panose="02010600030101010101" pitchFamily="2" charset="-122"/>
+            </a:endParaRPr>
+          </a:p>
+          <a:p>
+            <a:pPr marL="342900" indent="-342900">
+              <a:buFont typeface="+mj-lt"/>
+              <a:buAutoNum type="arabicPeriod"/>
+            </a:pPr>
+            <a:r>
+              <a:rPr lang="zh-CN" altLang="en-US" sz="1400">
+                <a:ea typeface="宋体" panose="02010600030101010101" pitchFamily="2" charset="-122"/>
+              </a:rPr>
+              <a:t>主设备发送从设备地址</a:t>
+            </a:r>
+            <a:endParaRPr lang="zh-CN" altLang="en-US" sz="1400">
+              <a:ea typeface="宋体" panose="02010600030101010101" pitchFamily="2" charset="-122"/>
+            </a:endParaRPr>
+          </a:p>
+          <a:p>
+            <a:pPr marL="342900" indent="-342900">
+              <a:buFont typeface="+mj-lt"/>
+              <a:buAutoNum type="arabicPeriod"/>
+            </a:pPr>
+            <a:r>
+              <a:rPr lang="zh-CN" altLang="en-US" sz="1400">
+                <a:ea typeface="宋体" panose="02010600030101010101" pitchFamily="2" charset="-122"/>
+              </a:rPr>
+              <a:t>等待从设备响应</a:t>
+            </a:r>
+            <a:r>
+              <a:rPr lang="en-US" altLang="zh-CN" sz="1400">
+                <a:ea typeface="宋体" panose="02010600030101010101" pitchFamily="2" charset="-122"/>
+              </a:rPr>
+              <a:t>(ACK)</a:t>
+            </a:r>
+            <a:endParaRPr lang="en-US" altLang="zh-CN" sz="1400">
+              <a:ea typeface="宋体" panose="02010600030101010101" pitchFamily="2" charset="-122"/>
+            </a:endParaRPr>
+          </a:p>
+          <a:p>
+            <a:pPr marL="342900" indent="-342900">
+              <a:buFont typeface="+mj-lt"/>
+              <a:buAutoNum type="arabicPeriod"/>
+            </a:pPr>
+            <a:r>
+              <a:rPr lang="zh-CN" altLang="en-US" sz="1400">
+                <a:ea typeface="宋体" panose="02010600030101010101" pitchFamily="2" charset="-122"/>
+              </a:rPr>
+              <a:t>主设备发送数据到从设备，一般发送的每个字节数据后会跟着等待接收来自从设备的响应</a:t>
+            </a:r>
+            <a:r>
+              <a:rPr lang="en-US" altLang="zh-CN" sz="1400">
+                <a:ea typeface="宋体" panose="02010600030101010101" pitchFamily="2" charset="-122"/>
+              </a:rPr>
+              <a:t>(ACK)</a:t>
+            </a:r>
+            <a:endParaRPr lang="en-US" altLang="zh-CN" sz="1400">
+              <a:ea typeface="宋体" panose="02010600030101010101" pitchFamily="2" charset="-122"/>
+            </a:endParaRPr>
+          </a:p>
+          <a:p>
+            <a:pPr marL="342900" indent="-342900">
+              <a:buFont typeface="+mj-lt"/>
+              <a:buAutoNum type="arabicPeriod"/>
+            </a:pPr>
+            <a:r>
+              <a:rPr lang="zh-CN" altLang="en-US" sz="1400">
+                <a:ea typeface="宋体" panose="02010600030101010101" pitchFamily="2" charset="-122"/>
+              </a:rPr>
+              <a:t>数据发送完毕，主设备发送停止</a:t>
+            </a:r>
+            <a:r>
+              <a:rPr lang="en-US" altLang="zh-CN" sz="1400">
+                <a:ea typeface="宋体" panose="02010600030101010101" pitchFamily="2" charset="-122"/>
+              </a:rPr>
+              <a:t>(STOP)</a:t>
+            </a:r>
+            <a:r>
+              <a:rPr lang="zh-CN" altLang="en-US" sz="1400">
+                <a:ea typeface="宋体" panose="02010600030101010101" pitchFamily="2" charset="-122"/>
+              </a:rPr>
+              <a:t>信号终止传输</a:t>
+            </a:r>
+            <a:endParaRPr lang="zh-CN" altLang="en-US" sz="1400">
+              <a:ea typeface="宋体" panose="02010600030101010101" pitchFamily="2" charset="-122"/>
+            </a:endParaRPr>
+          </a:p>
+        </p:txBody>
+      </p:sp>
+      <p:sp>
+        <p:nvSpPr>
+          <p:cNvPr id="4" name="文本框 3"/>
+          <p:cNvSpPr txBox="1"/>
+          <p:nvPr/>
+        </p:nvSpPr>
+        <p:spPr>
+          <a:xfrm>
+            <a:off x="539750" y="3941445"/>
+            <a:ext cx="7960995" cy="1383665"/>
+          </a:xfrm>
+          <a:prstGeom prst="rect">
+            <a:avLst/>
+          </a:prstGeom>
+          <a:noFill/>
+        </p:spPr>
+        <p:txBody>
+          <a:bodyPr wrap="none" rtlCol="0">
+            <a:spAutoFit/>
+          </a:bodyPr>
+          <a:p>
+            <a:r>
+              <a:rPr lang="zh-CN" altLang="en-US" sz="1400"/>
+              <a:t>主设备读取从设备数据</a:t>
+            </a:r>
+            <a:endParaRPr lang="zh-CN" altLang="en-US" sz="1400"/>
+          </a:p>
+          <a:p>
+            <a:pPr marL="342900" indent="-342900">
+              <a:buFont typeface="+mj-lt"/>
+              <a:buAutoNum type="arabicPeriod"/>
+            </a:pPr>
+            <a:r>
+              <a:rPr lang="zh-CN" altLang="en-US" sz="1400"/>
+              <a:t>主设备发送起始</a:t>
+            </a:r>
+            <a:r>
+              <a:rPr lang="en-US" altLang="zh-CN" sz="1400"/>
+              <a:t>(Start)</a:t>
+            </a:r>
+            <a:r>
+              <a:rPr lang="zh-CN" altLang="en-US" sz="1400"/>
+              <a:t>信号</a:t>
+            </a:r>
+            <a:endParaRPr lang="zh-CN" altLang="en-US" sz="1400"/>
+          </a:p>
+          <a:p>
+            <a:pPr marL="342900" indent="-342900">
+              <a:buFont typeface="+mj-lt"/>
+              <a:buAutoNum type="arabicPeriod"/>
+            </a:pPr>
+            <a:r>
+              <a:rPr lang="zh-CN" altLang="en-US" sz="1400"/>
+              <a:t>主设备发送设备地址到从设备</a:t>
+            </a:r>
+            <a:endParaRPr lang="zh-CN" altLang="en-US" sz="1400"/>
+          </a:p>
+          <a:p>
+            <a:pPr marL="342900" indent="-342900">
+              <a:buFont typeface="+mj-lt"/>
+              <a:buAutoNum type="arabicPeriod"/>
+            </a:pPr>
+            <a:r>
+              <a:rPr lang="zh-CN" altLang="en-US" sz="1400"/>
+              <a:t>等待从设备响应</a:t>
+            </a:r>
+            <a:r>
+              <a:rPr lang="en-US" altLang="zh-CN" sz="1400"/>
+              <a:t>(ACK)</a:t>
+            </a:r>
+            <a:endParaRPr lang="en-US" altLang="zh-CN" sz="1400"/>
+          </a:p>
+          <a:p>
+            <a:pPr marL="342900" indent="-342900">
+              <a:buFont typeface="+mj-lt"/>
+              <a:buAutoNum type="arabicPeriod"/>
+            </a:pPr>
+            <a:r>
+              <a:rPr lang="zh-CN" altLang="en-US" sz="1400"/>
+              <a:t>主设备接受来自从设备的数据，一般接受的每个字节数据后会跟着向从设备发送一个响应</a:t>
+            </a:r>
+            <a:r>
+              <a:rPr lang="en-US" altLang="zh-CN" sz="1400"/>
+              <a:t>(ACK)</a:t>
+            </a:r>
+            <a:endParaRPr lang="en-US" altLang="zh-CN" sz="1400"/>
+          </a:p>
+          <a:p>
+            <a:pPr marL="342900" indent="-342900">
+              <a:buFont typeface="+mj-lt"/>
+              <a:buAutoNum type="arabicPeriod"/>
+            </a:pPr>
+            <a:r>
+              <a:rPr lang="zh-CN" altLang="en-US" sz="1400"/>
+              <a:t>一般接受到最后一个数据后会发送一个无效响应</a:t>
+            </a:r>
+            <a:r>
+              <a:rPr lang="en-US" altLang="zh-CN" sz="1400"/>
+              <a:t>(NACK),</a:t>
+            </a:r>
+            <a:r>
+              <a:rPr lang="zh-CN" altLang="en-US" sz="1400"/>
+              <a:t>然后主设备发送停止</a:t>
+            </a:r>
+            <a:r>
+              <a:rPr lang="en-US" altLang="zh-CN" sz="1400"/>
+              <a:t>(STOP)</a:t>
+            </a:r>
+            <a:r>
+              <a:rPr lang="zh-CN" altLang="en-US" sz="1400"/>
+              <a:t>信号终止传输</a:t>
+            </a:r>
+            <a:endParaRPr lang="zh-CN" altLang="en-US" sz="1400"/>
+          </a:p>
+        </p:txBody>
+      </p:sp>
+      <p:graphicFrame>
+        <p:nvGraphicFramePr>
+          <p:cNvPr id="6" name="表格 5"/>
+          <p:cNvGraphicFramePr/>
+          <p:nvPr>
+            <p:custDataLst>
+              <p:tags r:id="rId1"/>
+            </p:custDataLst>
+          </p:nvPr>
+        </p:nvGraphicFramePr>
+        <p:xfrm>
+          <a:off x="1014095" y="2720975"/>
+          <a:ext cx="6626860" cy="527050"/>
+        </p:xfrm>
+        <a:graphic>
+          <a:graphicData uri="http://schemas.openxmlformats.org/drawingml/2006/table">
+            <a:tbl>
+              <a:tblPr firstRow="1" bandRow="1">
+                <a:tableStyleId>{5C22544A-7EE6-4342-B048-85BDC9FD1C3A}</a:tableStyleId>
+              </a:tblPr>
+              <a:tblGrid>
+                <a:gridCol w="558402"/>
+                <a:gridCol w="1068812"/>
+                <a:gridCol w="408780"/>
+                <a:gridCol w="514362"/>
+                <a:gridCol w="726440"/>
+                <a:gridCol w="578004"/>
+                <a:gridCol w="673735"/>
+                <a:gridCol w="621298"/>
+                <a:gridCol w="888136"/>
+                <a:gridCol w="588891"/>
+              </a:tblGrid>
+              <a:tr h="527050">
+                <a:tc>
+                  <a:txBody>
+                    <a:bodyPr/>
+                    <a:p>
+                      <a:pPr algn="l">
+                        <a:buNone/>
+                      </a:pPr>
+                      <a:r>
+                        <a:rPr lang="en-US" altLang="zh-CN" sz="1200"/>
+                        <a:t>Start</a:t>
+                      </a:r>
+                      <a:endParaRPr lang="en-US" altLang="zh-CN" sz="1200"/>
+                    </a:p>
+                  </a:txBody>
+                  <a:tcPr anchor="ctr" anchorCtr="0"/>
+                </a:tc>
+                <a:tc>
+                  <a:txBody>
+                    <a:bodyPr/>
+                    <a:p>
+                      <a:pPr algn="l">
+                        <a:buNone/>
+                      </a:pPr>
+                      <a:r>
+                        <a:rPr lang="en-US" altLang="zh-CN" sz="1200"/>
+                        <a:t>Salve Address</a:t>
+                      </a:r>
+                      <a:endParaRPr lang="en-US" altLang="zh-CN" sz="1200"/>
+                    </a:p>
+                  </a:txBody>
+                  <a:tcPr anchor="ctr" anchorCtr="0">
+                    <a:solidFill>
+                      <a:srgbClr val="FFC000"/>
+                    </a:solidFill>
+                  </a:tcPr>
+                </a:tc>
+                <a:tc>
+                  <a:txBody>
+                    <a:bodyPr/>
+                    <a:p>
+                      <a:pPr algn="l">
+                        <a:buNone/>
+                      </a:pPr>
+                      <a:r>
+                        <a:rPr lang="en-US" altLang="zh-CN" sz="1200"/>
+                        <a:t>W</a:t>
+                      </a:r>
+                      <a:endParaRPr lang="en-US" altLang="zh-CN" sz="1200"/>
+                    </a:p>
+                  </a:txBody>
+                  <a:tcPr anchor="ctr" anchorCtr="0"/>
+                </a:tc>
+                <a:tc>
+                  <a:txBody>
+                    <a:bodyPr/>
+                    <a:p>
+                      <a:pPr algn="l">
+                        <a:buNone/>
+                      </a:pPr>
+                      <a:r>
+                        <a:rPr lang="en-US" altLang="zh-CN" sz="1200"/>
+                        <a:t>ACK</a:t>
+                      </a:r>
+                      <a:endParaRPr lang="en-US" altLang="zh-CN" sz="1200"/>
+                    </a:p>
+                  </a:txBody>
+                  <a:tcPr anchor="ctr" anchorCtr="0"/>
+                </a:tc>
+                <a:tc>
+                  <a:txBody>
+                    <a:bodyPr/>
+                    <a:p>
+                      <a:pPr algn="l">
+                        <a:buNone/>
+                      </a:pPr>
+                      <a:r>
+                        <a:rPr lang="en-US" altLang="zh-CN" sz="1200"/>
+                        <a:t>D</a:t>
+                      </a:r>
+                      <a:r>
+                        <a:rPr lang="en-US" altLang="zh-CN" sz="1200"/>
+                        <a:t>ata</a:t>
+                      </a:r>
+                      <a:endParaRPr lang="en-US" altLang="zh-CN" sz="1200"/>
+                    </a:p>
+                  </a:txBody>
+                  <a:tcPr anchor="ctr" anchorCtr="0"/>
+                </a:tc>
+                <a:tc>
+                  <a:txBody>
+                    <a:bodyPr/>
+                    <a:p>
+                      <a:pPr algn="l">
+                        <a:buNone/>
+                      </a:pPr>
+                      <a:r>
+                        <a:rPr lang="en-US" altLang="zh-CN" sz="1200"/>
+                        <a:t>ACK</a:t>
+                      </a:r>
+                      <a:endParaRPr lang="en-US" altLang="zh-CN" sz="1200"/>
+                    </a:p>
+                  </a:txBody>
+                  <a:tcPr anchor="ctr" anchorCtr="0"/>
+                </a:tc>
+                <a:tc>
+                  <a:txBody>
+                    <a:bodyPr/>
+                    <a:p>
+                      <a:pPr algn="l">
+                        <a:buNone/>
+                      </a:pPr>
+                      <a:r>
+                        <a:rPr lang="en-US" altLang="zh-CN" sz="1200"/>
+                        <a:t>D</a:t>
+                      </a:r>
+                      <a:r>
+                        <a:rPr lang="en-US" altLang="zh-CN" sz="1200"/>
+                        <a:t>ata</a:t>
+                      </a:r>
+                      <a:endParaRPr lang="en-US" altLang="zh-CN" sz="1200"/>
+                    </a:p>
+                  </a:txBody>
+                  <a:tcPr anchor="ctr" anchorCtr="0"/>
+                </a:tc>
+                <a:tc>
+                  <a:txBody>
+                    <a:bodyPr/>
+                    <a:p>
+                      <a:pPr algn="l">
+                        <a:buNone/>
+                      </a:pPr>
+                      <a:r>
+                        <a:rPr lang="en-US" altLang="zh-CN" sz="1200"/>
+                        <a:t>ACK</a:t>
+                      </a:r>
+                      <a:endParaRPr lang="en-US" altLang="zh-CN" sz="1200"/>
+                    </a:p>
+                  </a:txBody>
+                  <a:tcPr anchor="ctr" anchorCtr="0"/>
+                </a:tc>
+                <a:tc>
+                  <a:txBody>
+                    <a:bodyPr/>
+                    <a:p>
+                      <a:pPr algn="l">
+                        <a:buNone/>
+                      </a:pPr>
+                      <a:r>
+                        <a:rPr lang="en-US" altLang="zh-CN" sz="1200"/>
+                        <a:t>.........</a:t>
+                      </a:r>
+                      <a:endParaRPr lang="en-US" altLang="zh-CN" sz="1200"/>
+                    </a:p>
+                  </a:txBody>
+                  <a:tcPr anchor="ctr" anchorCtr="0"/>
+                </a:tc>
+                <a:tc>
+                  <a:txBody>
+                    <a:bodyPr/>
+                    <a:p>
+                      <a:pPr algn="l">
+                        <a:buNone/>
+                      </a:pPr>
+                      <a:r>
+                        <a:rPr lang="en-US" altLang="zh-CN" sz="1200"/>
+                        <a:t>Stop</a:t>
+                      </a:r>
+                      <a:endParaRPr lang="en-US" altLang="zh-CN" sz="1200"/>
+                    </a:p>
+                  </a:txBody>
+                  <a:tcPr anchor="ctr" anchorCtr="0"/>
+                </a:tc>
+              </a:tr>
+            </a:tbl>
+          </a:graphicData>
+        </a:graphic>
+      </p:graphicFrame>
+      <p:grpSp>
+        <p:nvGrpSpPr>
+          <p:cNvPr id="20" name="组合 19"/>
+          <p:cNvGrpSpPr/>
+          <p:nvPr/>
+        </p:nvGrpSpPr>
+        <p:grpSpPr>
+          <a:xfrm>
+            <a:off x="1014095" y="3248025"/>
+            <a:ext cx="538480" cy="431165"/>
+            <a:chOff x="1240" y="4976"/>
+            <a:chExt cx="848" cy="679"/>
+          </a:xfrm>
+        </p:grpSpPr>
+        <p:cxnSp>
+          <p:nvCxnSpPr>
+            <p:cNvPr id="7" name="直接箭头连接符 6"/>
+            <p:cNvCxnSpPr/>
+            <p:nvPr/>
+          </p:nvCxnSpPr>
+          <p:spPr>
+            <a:xfrm flipH="1" flipV="1">
+              <a:off x="1668" y="4976"/>
+              <a:ext cx="11" cy="317"/>
+            </a:xfrm>
+            <a:prstGeom prst="straightConnector1">
+              <a:avLst/>
+            </a:prstGeom>
+            <a:ln>
+              <a:tailEnd type="arrow"/>
+            </a:ln>
+          </p:spPr>
+          <p:style>
+            <a:lnRef idx="1">
+              <a:schemeClr val="accent1"/>
+            </a:lnRef>
+            <a:fillRef idx="0">
+              <a:schemeClr val="accent1"/>
+            </a:fillRef>
+            <a:effectRef idx="0">
+              <a:schemeClr val="accent1"/>
+            </a:effectRef>
+            <a:fontRef idx="minor">
+              <a:schemeClr val="tx1"/>
+            </a:fontRef>
+          </p:style>
+        </p:cxnSp>
+        <p:sp>
+          <p:nvSpPr>
+            <p:cNvPr id="8" name="文本框 7"/>
+            <p:cNvSpPr txBox="1"/>
+            <p:nvPr/>
+          </p:nvSpPr>
+          <p:spPr>
+            <a:xfrm>
+              <a:off x="1240" y="5343"/>
+              <a:ext cx="848" cy="313"/>
+            </a:xfrm>
+            <a:prstGeom prst="rect">
+              <a:avLst/>
+            </a:prstGeom>
+            <a:noFill/>
+          </p:spPr>
+          <p:txBody>
+            <a:bodyPr wrap="none" rtlCol="0">
+              <a:spAutoFit/>
+            </a:bodyPr>
+            <a:p>
+              <a:r>
+                <a:rPr lang="zh-CN" altLang="en-US" sz="700"/>
+                <a:t>起始信号</a:t>
+              </a:r>
+              <a:endParaRPr lang="zh-CN" altLang="en-US" sz="700"/>
+            </a:p>
+          </p:txBody>
+        </p:sp>
+      </p:grpSp>
+      <p:grpSp>
+        <p:nvGrpSpPr>
+          <p:cNvPr id="23" name="组合 22"/>
+          <p:cNvGrpSpPr/>
+          <p:nvPr/>
+        </p:nvGrpSpPr>
+        <p:grpSpPr>
+          <a:xfrm>
+            <a:off x="3890010" y="3248660"/>
+            <a:ext cx="462280" cy="431800"/>
+            <a:chOff x="2612" y="4976"/>
+            <a:chExt cx="728" cy="680"/>
+          </a:xfrm>
+        </p:grpSpPr>
+        <p:cxnSp>
+          <p:nvCxnSpPr>
+            <p:cNvPr id="21" name="直接箭头连接符 20"/>
+            <p:cNvCxnSpPr/>
+            <p:nvPr/>
+          </p:nvCxnSpPr>
+          <p:spPr>
+            <a:xfrm flipH="1" flipV="1">
+              <a:off x="3040" y="4976"/>
+              <a:ext cx="11" cy="317"/>
+            </a:xfrm>
+            <a:prstGeom prst="straightConnector1">
+              <a:avLst/>
+            </a:prstGeom>
+            <a:ln>
+              <a:tailEnd type="arrow"/>
+            </a:ln>
+          </p:spPr>
+          <p:style>
+            <a:lnRef idx="1">
+              <a:schemeClr val="accent1"/>
+            </a:lnRef>
+            <a:fillRef idx="0">
+              <a:schemeClr val="accent1"/>
+            </a:fillRef>
+            <a:effectRef idx="0">
+              <a:schemeClr val="accent1"/>
+            </a:effectRef>
+            <a:fontRef idx="minor">
+              <a:schemeClr val="tx1"/>
+            </a:fontRef>
+          </p:style>
+        </p:cxnSp>
+        <p:sp>
+          <p:nvSpPr>
+            <p:cNvPr id="22" name="文本框 21"/>
+            <p:cNvSpPr txBox="1"/>
+            <p:nvPr/>
+          </p:nvSpPr>
+          <p:spPr>
+            <a:xfrm>
+              <a:off x="2612" y="5343"/>
+              <a:ext cx="728" cy="313"/>
+            </a:xfrm>
+            <a:prstGeom prst="rect">
+              <a:avLst/>
+            </a:prstGeom>
+            <a:noFill/>
+          </p:spPr>
+          <p:txBody>
+            <a:bodyPr wrap="none" rtlCol="0">
+              <a:spAutoFit/>
+            </a:bodyPr>
+            <a:p>
+              <a:r>
+                <a:rPr lang="en-US" altLang="zh-CN" sz="700"/>
+                <a:t>     </a:t>
+              </a:r>
+              <a:r>
+                <a:rPr lang="zh-CN" altLang="en-US" sz="700"/>
+                <a:t>数据</a:t>
+              </a:r>
+              <a:endParaRPr lang="zh-CN" altLang="en-US" sz="700"/>
+            </a:p>
+          </p:txBody>
+        </p:sp>
+      </p:grpSp>
+      <p:grpSp>
+        <p:nvGrpSpPr>
+          <p:cNvPr id="24" name="组合 23"/>
+          <p:cNvGrpSpPr/>
+          <p:nvPr/>
+        </p:nvGrpSpPr>
+        <p:grpSpPr>
+          <a:xfrm>
+            <a:off x="1951355" y="3248025"/>
+            <a:ext cx="538480" cy="431165"/>
+            <a:chOff x="2612" y="4976"/>
+            <a:chExt cx="848" cy="679"/>
+          </a:xfrm>
+        </p:grpSpPr>
+        <p:cxnSp>
+          <p:nvCxnSpPr>
+            <p:cNvPr id="25" name="直接箭头连接符 24"/>
+            <p:cNvCxnSpPr/>
+            <p:nvPr/>
+          </p:nvCxnSpPr>
+          <p:spPr>
+            <a:xfrm flipH="1" flipV="1">
+              <a:off x="3040" y="4976"/>
+              <a:ext cx="11" cy="317"/>
+            </a:xfrm>
+            <a:prstGeom prst="straightConnector1">
+              <a:avLst/>
+            </a:prstGeom>
+            <a:ln>
+              <a:tailEnd type="arrow"/>
+            </a:ln>
+          </p:spPr>
+          <p:style>
+            <a:lnRef idx="1">
+              <a:schemeClr val="accent1"/>
+            </a:lnRef>
+            <a:fillRef idx="0">
+              <a:schemeClr val="accent1"/>
+            </a:fillRef>
+            <a:effectRef idx="0">
+              <a:schemeClr val="accent1"/>
+            </a:effectRef>
+            <a:fontRef idx="minor">
+              <a:schemeClr val="tx1"/>
+            </a:fontRef>
+          </p:style>
+        </p:cxnSp>
+        <p:sp>
+          <p:nvSpPr>
+            <p:cNvPr id="26" name="文本框 25"/>
+            <p:cNvSpPr txBox="1"/>
+            <p:nvPr/>
+          </p:nvSpPr>
+          <p:spPr>
+            <a:xfrm>
+              <a:off x="2612" y="5343"/>
+              <a:ext cx="848" cy="313"/>
+            </a:xfrm>
+            <a:prstGeom prst="rect">
+              <a:avLst/>
+            </a:prstGeom>
+            <a:noFill/>
+          </p:spPr>
+          <p:txBody>
+            <a:bodyPr wrap="none" rtlCol="0">
+              <a:spAutoFit/>
+            </a:bodyPr>
+            <a:p>
+              <a:r>
+                <a:rPr lang="zh-CN" altLang="en-US" sz="700"/>
+                <a:t>设备</a:t>
+              </a:r>
+              <a:r>
+                <a:rPr lang="zh-CN" altLang="en-US" sz="700"/>
+                <a:t>地址</a:t>
+              </a:r>
+              <a:endParaRPr lang="zh-CN" altLang="en-US" sz="700"/>
+            </a:p>
+          </p:txBody>
+        </p:sp>
+      </p:grpSp>
+      <p:grpSp>
+        <p:nvGrpSpPr>
+          <p:cNvPr id="27" name="组合 26"/>
+          <p:cNvGrpSpPr/>
+          <p:nvPr/>
+        </p:nvGrpSpPr>
+        <p:grpSpPr>
+          <a:xfrm>
+            <a:off x="2748915" y="3248025"/>
+            <a:ext cx="449580" cy="431800"/>
+            <a:chOff x="2612" y="4976"/>
+            <a:chExt cx="708" cy="680"/>
+          </a:xfrm>
+        </p:grpSpPr>
+        <p:cxnSp>
+          <p:nvCxnSpPr>
+            <p:cNvPr id="28" name="直接箭头连接符 27"/>
+            <p:cNvCxnSpPr/>
+            <p:nvPr/>
+          </p:nvCxnSpPr>
+          <p:spPr>
+            <a:xfrm flipH="1" flipV="1">
+              <a:off x="3040" y="4976"/>
+              <a:ext cx="11" cy="317"/>
+            </a:xfrm>
+            <a:prstGeom prst="straightConnector1">
+              <a:avLst/>
+            </a:prstGeom>
+            <a:ln>
+              <a:tailEnd type="arrow"/>
+            </a:ln>
+          </p:spPr>
+          <p:style>
+            <a:lnRef idx="1">
+              <a:schemeClr val="accent1"/>
+            </a:lnRef>
+            <a:fillRef idx="0">
+              <a:schemeClr val="accent1"/>
+            </a:fillRef>
+            <a:effectRef idx="0">
+              <a:schemeClr val="accent1"/>
+            </a:effectRef>
+            <a:fontRef idx="minor">
+              <a:schemeClr val="tx1"/>
+            </a:fontRef>
+          </p:style>
+        </p:cxnSp>
+        <p:sp>
+          <p:nvSpPr>
+            <p:cNvPr id="29" name="文本框 28"/>
+            <p:cNvSpPr txBox="1"/>
+            <p:nvPr/>
+          </p:nvSpPr>
+          <p:spPr>
+            <a:xfrm>
+              <a:off x="2612" y="5343"/>
+              <a:ext cx="708" cy="313"/>
+            </a:xfrm>
+            <a:prstGeom prst="rect">
+              <a:avLst/>
+            </a:prstGeom>
+            <a:noFill/>
+          </p:spPr>
+          <p:txBody>
+            <a:bodyPr wrap="none" rtlCol="0">
+              <a:spAutoFit/>
+            </a:bodyPr>
+            <a:p>
+              <a:r>
+                <a:rPr lang="zh-CN" altLang="en-US" sz="700"/>
+                <a:t>设备写</a:t>
+              </a:r>
+              <a:endParaRPr lang="zh-CN" altLang="en-US" sz="700"/>
+            </a:p>
+          </p:txBody>
+        </p:sp>
+      </p:grpSp>
+      <p:grpSp>
+        <p:nvGrpSpPr>
+          <p:cNvPr id="30" name="组合 29"/>
+          <p:cNvGrpSpPr/>
+          <p:nvPr/>
+        </p:nvGrpSpPr>
+        <p:grpSpPr>
+          <a:xfrm>
+            <a:off x="3319145" y="3248025"/>
+            <a:ext cx="627380" cy="431800"/>
+            <a:chOff x="2612" y="4976"/>
+            <a:chExt cx="988" cy="680"/>
+          </a:xfrm>
+        </p:grpSpPr>
+        <p:cxnSp>
+          <p:nvCxnSpPr>
+            <p:cNvPr id="31" name="直接箭头连接符 30"/>
+            <p:cNvCxnSpPr/>
+            <p:nvPr/>
+          </p:nvCxnSpPr>
+          <p:spPr>
+            <a:xfrm flipH="1" flipV="1">
+              <a:off x="3040" y="4976"/>
+              <a:ext cx="11" cy="317"/>
+            </a:xfrm>
+            <a:prstGeom prst="straightConnector1">
+              <a:avLst/>
+            </a:prstGeom>
+            <a:ln>
+              <a:tailEnd type="arrow"/>
+            </a:ln>
+          </p:spPr>
+          <p:style>
+            <a:lnRef idx="1">
+              <a:schemeClr val="accent1"/>
+            </a:lnRef>
+            <a:fillRef idx="0">
+              <a:schemeClr val="accent1"/>
+            </a:fillRef>
+            <a:effectRef idx="0">
+              <a:schemeClr val="accent1"/>
+            </a:effectRef>
+            <a:fontRef idx="minor">
+              <a:schemeClr val="tx1"/>
+            </a:fontRef>
+          </p:style>
+        </p:cxnSp>
+        <p:sp>
+          <p:nvSpPr>
+            <p:cNvPr id="32" name="文本框 31"/>
+            <p:cNvSpPr txBox="1"/>
+            <p:nvPr/>
+          </p:nvSpPr>
+          <p:spPr>
+            <a:xfrm>
+              <a:off x="2612" y="5343"/>
+              <a:ext cx="988" cy="313"/>
+            </a:xfrm>
+            <a:prstGeom prst="rect">
+              <a:avLst/>
+            </a:prstGeom>
+            <a:noFill/>
+          </p:spPr>
+          <p:txBody>
+            <a:bodyPr wrap="none" rtlCol="0">
+              <a:spAutoFit/>
+            </a:bodyPr>
+            <a:p>
+              <a:r>
+                <a:rPr lang="zh-CN" altLang="en-US" sz="700"/>
+                <a:t>从设备</a:t>
+              </a:r>
+              <a:r>
+                <a:rPr lang="zh-CN" altLang="en-US" sz="700"/>
+                <a:t>应答</a:t>
+              </a:r>
+              <a:endParaRPr lang="zh-CN" altLang="en-US" sz="700"/>
+            </a:p>
+          </p:txBody>
+        </p:sp>
+      </p:grpSp>
+      <p:grpSp>
+        <p:nvGrpSpPr>
+          <p:cNvPr id="33" name="组合 32"/>
+          <p:cNvGrpSpPr/>
+          <p:nvPr/>
+        </p:nvGrpSpPr>
+        <p:grpSpPr>
+          <a:xfrm>
+            <a:off x="6973570" y="3279775"/>
+            <a:ext cx="627380" cy="431800"/>
+            <a:chOff x="2612" y="4976"/>
+            <a:chExt cx="988" cy="680"/>
+          </a:xfrm>
+        </p:grpSpPr>
+        <p:cxnSp>
+          <p:nvCxnSpPr>
+            <p:cNvPr id="34" name="直接箭头连接符 33"/>
+            <p:cNvCxnSpPr/>
+            <p:nvPr/>
+          </p:nvCxnSpPr>
+          <p:spPr>
+            <a:xfrm flipH="1" flipV="1">
+              <a:off x="3040" y="4976"/>
+              <a:ext cx="11" cy="317"/>
+            </a:xfrm>
+            <a:prstGeom prst="straightConnector1">
+              <a:avLst/>
+            </a:prstGeom>
+            <a:ln>
+              <a:tailEnd type="arrow"/>
+            </a:ln>
+          </p:spPr>
+          <p:style>
+            <a:lnRef idx="1">
+              <a:schemeClr val="accent1"/>
+            </a:lnRef>
+            <a:fillRef idx="0">
+              <a:schemeClr val="accent1"/>
+            </a:fillRef>
+            <a:effectRef idx="0">
+              <a:schemeClr val="accent1"/>
+            </a:effectRef>
+            <a:fontRef idx="minor">
+              <a:schemeClr val="tx1"/>
+            </a:fontRef>
+          </p:style>
+        </p:cxnSp>
+        <p:sp>
+          <p:nvSpPr>
+            <p:cNvPr id="35" name="文本框 34"/>
+            <p:cNvSpPr txBox="1"/>
+            <p:nvPr/>
+          </p:nvSpPr>
+          <p:spPr>
+            <a:xfrm>
+              <a:off x="2612" y="5343"/>
+              <a:ext cx="988" cy="313"/>
+            </a:xfrm>
+            <a:prstGeom prst="rect">
+              <a:avLst/>
+            </a:prstGeom>
+            <a:noFill/>
+          </p:spPr>
+          <p:txBody>
+            <a:bodyPr wrap="none" rtlCol="0">
+              <a:spAutoFit/>
+            </a:bodyPr>
+            <a:p>
+              <a:r>
+                <a:rPr lang="zh-CN" altLang="en-US" sz="700"/>
+                <a:t>主设备</a:t>
+              </a:r>
+              <a:r>
+                <a:rPr lang="zh-CN" altLang="en-US" sz="700"/>
+                <a:t>停止</a:t>
+              </a:r>
+              <a:endParaRPr lang="zh-CN" altLang="en-US" sz="700"/>
+            </a:p>
+          </p:txBody>
+        </p:sp>
+      </p:grpSp>
+      <p:cxnSp>
+        <p:nvCxnSpPr>
+          <p:cNvPr id="38" name="直接箭头连接符 37"/>
+          <p:cNvCxnSpPr/>
+          <p:nvPr/>
+        </p:nvCxnSpPr>
+        <p:spPr>
+          <a:xfrm>
+            <a:off x="1548765" y="2588895"/>
+            <a:ext cx="1494155" cy="635"/>
+          </a:xfrm>
+          <a:prstGeom prst="straightConnector1">
+            <a:avLst/>
+          </a:prstGeom>
+          <a:ln>
+            <a:headEnd type="arrow"/>
+            <a:tailEnd type="arrow"/>
+          </a:ln>
+        </p:spPr>
+        <p:style>
+          <a:lnRef idx="1">
+            <a:schemeClr val="accent1"/>
+          </a:lnRef>
+          <a:fillRef idx="0">
+            <a:schemeClr val="accent1"/>
+          </a:fillRef>
+          <a:effectRef idx="0">
+            <a:schemeClr val="accent1"/>
+          </a:effectRef>
+          <a:fontRef idx="minor">
+            <a:schemeClr val="tx1"/>
+          </a:fontRef>
+        </p:style>
+      </p:cxnSp>
+      <p:sp>
+        <p:nvSpPr>
+          <p:cNvPr id="39" name="文本框 38"/>
+          <p:cNvSpPr txBox="1"/>
+          <p:nvPr/>
+        </p:nvSpPr>
+        <p:spPr>
+          <a:xfrm>
+            <a:off x="1721485" y="2344420"/>
+            <a:ext cx="1148715" cy="198755"/>
+          </a:xfrm>
+          <a:prstGeom prst="rect">
+            <a:avLst/>
+          </a:prstGeom>
+          <a:noFill/>
+        </p:spPr>
+        <p:txBody>
+          <a:bodyPr wrap="none" rtlCol="0">
+            <a:spAutoFit/>
+          </a:bodyPr>
+          <a:p>
+            <a:r>
+              <a:rPr lang="en-US" altLang="zh-CN" sz="700"/>
+              <a:t>7bit(</a:t>
+            </a:r>
+            <a:r>
+              <a:rPr lang="zh-CN" altLang="en-US" sz="700"/>
+              <a:t>设备地址</a:t>
+            </a:r>
+            <a:r>
+              <a:rPr lang="en-US" altLang="zh-CN" sz="700"/>
+              <a:t>) + 1bit(</a:t>
+            </a:r>
+            <a:r>
+              <a:rPr lang="zh-CN" altLang="en-US" sz="700"/>
+              <a:t>写</a:t>
+            </a:r>
+            <a:r>
+              <a:rPr lang="en-US" altLang="zh-CN" sz="700"/>
+              <a:t>1)</a:t>
+            </a:r>
+            <a:endParaRPr lang="en-US" altLang="zh-CN" sz="700"/>
+          </a:p>
+        </p:txBody>
+      </p:sp>
+      <p:cxnSp>
+        <p:nvCxnSpPr>
+          <p:cNvPr id="40" name="直接箭头连接符 39"/>
+          <p:cNvCxnSpPr/>
+          <p:nvPr/>
+        </p:nvCxnSpPr>
+        <p:spPr>
+          <a:xfrm>
+            <a:off x="3606165" y="2622550"/>
+            <a:ext cx="3400425" cy="6985"/>
+          </a:xfrm>
+          <a:prstGeom prst="straightConnector1">
+            <a:avLst/>
+          </a:prstGeom>
+          <a:ln>
+            <a:headEnd type="arrow"/>
+            <a:tailEnd type="arrow"/>
+          </a:ln>
+        </p:spPr>
+        <p:style>
+          <a:lnRef idx="1">
+            <a:schemeClr val="accent1"/>
+          </a:lnRef>
+          <a:fillRef idx="0">
+            <a:schemeClr val="accent1"/>
+          </a:fillRef>
+          <a:effectRef idx="0">
+            <a:schemeClr val="accent1"/>
+          </a:effectRef>
+          <a:fontRef idx="minor">
+            <a:schemeClr val="tx1"/>
+          </a:fontRef>
+        </p:style>
+      </p:cxnSp>
+      <p:sp>
+        <p:nvSpPr>
+          <p:cNvPr id="41" name="文本框 40"/>
+          <p:cNvSpPr txBox="1"/>
+          <p:nvPr/>
+        </p:nvSpPr>
+        <p:spPr>
+          <a:xfrm>
+            <a:off x="4686300" y="2414905"/>
+            <a:ext cx="1049020" cy="198755"/>
+          </a:xfrm>
+          <a:prstGeom prst="rect">
+            <a:avLst/>
+          </a:prstGeom>
+          <a:noFill/>
+        </p:spPr>
+        <p:txBody>
+          <a:bodyPr wrap="none" rtlCol="0">
+            <a:spAutoFit/>
+          </a:bodyPr>
+          <a:p>
+            <a:r>
+              <a:rPr lang="zh-CN" altLang="en-US" sz="700"/>
+              <a:t>数据传输</a:t>
+            </a:r>
+            <a:r>
+              <a:rPr lang="en-US" altLang="zh-CN" sz="700"/>
+              <a:t>N(</a:t>
+            </a:r>
+            <a:r>
+              <a:rPr lang="zh-CN" altLang="en-US" sz="700"/>
+              <a:t>字节</a:t>
+            </a:r>
+            <a:r>
+              <a:rPr lang="en-US" altLang="zh-CN" sz="700"/>
+              <a:t>+</a:t>
+            </a:r>
+            <a:r>
+              <a:rPr lang="zh-CN" altLang="en-US" sz="700"/>
+              <a:t>应答</a:t>
+            </a:r>
+            <a:r>
+              <a:rPr lang="en-US" altLang="zh-CN" sz="700"/>
+              <a:t>)</a:t>
+            </a:r>
+            <a:endParaRPr lang="en-US" altLang="zh-CN" sz="700">
+              <a:ea typeface="宋体" panose="02010600030101010101" pitchFamily="2" charset="-122"/>
+            </a:endParaRPr>
+          </a:p>
+        </p:txBody>
+      </p:sp>
+      <p:graphicFrame>
+        <p:nvGraphicFramePr>
+          <p:cNvPr id="88" name="表格 87"/>
+          <p:cNvGraphicFramePr/>
+          <p:nvPr>
+            <p:custDataLst>
+              <p:tags r:id="rId2"/>
+            </p:custDataLst>
+          </p:nvPr>
+        </p:nvGraphicFramePr>
+        <p:xfrm>
+          <a:off x="974090" y="5885815"/>
+          <a:ext cx="6626860" cy="527050"/>
+        </p:xfrm>
+        <a:graphic>
+          <a:graphicData uri="http://schemas.openxmlformats.org/drawingml/2006/table">
+            <a:tbl>
+              <a:tblPr firstRow="1" bandRow="1">
+                <a:tableStyleId>{5C22544A-7EE6-4342-B048-85BDC9FD1C3A}</a:tableStyleId>
+              </a:tblPr>
+              <a:tblGrid>
+                <a:gridCol w="558402"/>
+                <a:gridCol w="1068812"/>
+                <a:gridCol w="408780"/>
+                <a:gridCol w="514362"/>
+                <a:gridCol w="726440"/>
+                <a:gridCol w="578004"/>
+                <a:gridCol w="673735"/>
+                <a:gridCol w="621298"/>
+                <a:gridCol w="888136"/>
+                <a:gridCol w="588891"/>
+              </a:tblGrid>
+              <a:tr h="527050">
+                <a:tc>
+                  <a:txBody>
+                    <a:bodyPr/>
+                    <a:p>
+                      <a:pPr algn="l">
+                        <a:buNone/>
+                      </a:pPr>
+                      <a:r>
+                        <a:rPr lang="en-US" altLang="zh-CN" sz="1200"/>
+                        <a:t>Start</a:t>
+                      </a:r>
+                      <a:endParaRPr lang="en-US" altLang="zh-CN" sz="1200"/>
+                    </a:p>
+                  </a:txBody>
+                  <a:tcPr anchor="ctr" anchorCtr="0"/>
+                </a:tc>
+                <a:tc>
+                  <a:txBody>
+                    <a:bodyPr/>
+                    <a:p>
+                      <a:pPr algn="l">
+                        <a:buNone/>
+                      </a:pPr>
+                      <a:r>
+                        <a:rPr lang="en-US" altLang="zh-CN" sz="1200"/>
+                        <a:t>Salve Address</a:t>
+                      </a:r>
+                      <a:endParaRPr lang="en-US" altLang="zh-CN" sz="1200"/>
+                    </a:p>
+                  </a:txBody>
+                  <a:tcPr anchor="ctr" anchorCtr="0">
+                    <a:solidFill>
+                      <a:srgbClr val="FFC000"/>
+                    </a:solidFill>
+                  </a:tcPr>
+                </a:tc>
+                <a:tc>
+                  <a:txBody>
+                    <a:bodyPr/>
+                    <a:p>
+                      <a:pPr algn="l">
+                        <a:buNone/>
+                      </a:pPr>
+                      <a:r>
+                        <a:rPr lang="en-US" altLang="zh-CN" sz="1200"/>
+                        <a:t>W</a:t>
+                      </a:r>
+                      <a:endParaRPr lang="en-US" altLang="zh-CN" sz="1200"/>
+                    </a:p>
+                  </a:txBody>
+                  <a:tcPr anchor="ctr" anchorCtr="0"/>
+                </a:tc>
+                <a:tc>
+                  <a:txBody>
+                    <a:bodyPr/>
+                    <a:p>
+                      <a:pPr algn="l">
+                        <a:buNone/>
+                      </a:pPr>
+                      <a:r>
+                        <a:rPr lang="en-US" altLang="zh-CN" sz="1200"/>
+                        <a:t>ACK</a:t>
+                      </a:r>
+                      <a:endParaRPr lang="en-US" altLang="zh-CN" sz="1200"/>
+                    </a:p>
+                  </a:txBody>
+                  <a:tcPr anchor="ctr" anchorCtr="0"/>
+                </a:tc>
+                <a:tc>
+                  <a:txBody>
+                    <a:bodyPr/>
+                    <a:p>
+                      <a:pPr algn="l">
+                        <a:buNone/>
+                      </a:pPr>
+                      <a:r>
+                        <a:rPr lang="en-US" altLang="zh-CN" sz="1200"/>
+                        <a:t>D</a:t>
+                      </a:r>
+                      <a:r>
+                        <a:rPr lang="en-US" altLang="zh-CN" sz="1200"/>
+                        <a:t>ata</a:t>
+                      </a:r>
+                      <a:endParaRPr lang="en-US" altLang="zh-CN" sz="1200"/>
+                    </a:p>
+                  </a:txBody>
+                  <a:tcPr anchor="ctr" anchorCtr="0"/>
+                </a:tc>
+                <a:tc>
+                  <a:txBody>
+                    <a:bodyPr/>
+                    <a:p>
+                      <a:pPr algn="l">
+                        <a:buNone/>
+                      </a:pPr>
+                      <a:r>
+                        <a:rPr lang="en-US" altLang="zh-CN" sz="1200"/>
+                        <a:t>ACK</a:t>
+                      </a:r>
+                      <a:endParaRPr lang="en-US" altLang="zh-CN" sz="1200"/>
+                    </a:p>
+                  </a:txBody>
+                  <a:tcPr anchor="ctr" anchorCtr="0"/>
+                </a:tc>
+                <a:tc>
+                  <a:txBody>
+                    <a:bodyPr/>
+                    <a:p>
+                      <a:pPr algn="l">
+                        <a:buNone/>
+                      </a:pPr>
+                      <a:r>
+                        <a:rPr lang="en-US" altLang="zh-CN" sz="1200"/>
+                        <a:t>D</a:t>
+                      </a:r>
+                      <a:r>
+                        <a:rPr lang="en-US" altLang="zh-CN" sz="1200"/>
+                        <a:t>ata</a:t>
+                      </a:r>
+                      <a:endParaRPr lang="en-US" altLang="zh-CN" sz="1200"/>
+                    </a:p>
+                  </a:txBody>
+                  <a:tcPr anchor="ctr" anchorCtr="0"/>
+                </a:tc>
+                <a:tc>
+                  <a:txBody>
+                    <a:bodyPr/>
+                    <a:p>
+                      <a:pPr algn="l">
+                        <a:buNone/>
+                      </a:pPr>
+                      <a:r>
+                        <a:rPr lang="en-US" altLang="zh-CN" sz="1200"/>
+                        <a:t>NACK</a:t>
+                      </a:r>
+                      <a:endParaRPr lang="en-US" altLang="zh-CN" sz="1200"/>
+                    </a:p>
+                  </a:txBody>
+                  <a:tcPr anchor="ctr" anchorCtr="0"/>
+                </a:tc>
+                <a:tc>
+                  <a:txBody>
+                    <a:bodyPr/>
+                    <a:p>
+                      <a:pPr algn="l">
+                        <a:buNone/>
+                      </a:pPr>
+                      <a:r>
+                        <a:rPr lang="en-US" altLang="zh-CN" sz="1200"/>
+                        <a:t>.........</a:t>
+                      </a:r>
+                      <a:endParaRPr lang="en-US" altLang="zh-CN" sz="1200"/>
+                    </a:p>
+                  </a:txBody>
+                  <a:tcPr anchor="ctr" anchorCtr="0"/>
+                </a:tc>
+                <a:tc>
+                  <a:txBody>
+                    <a:bodyPr/>
+                    <a:p>
+                      <a:pPr algn="l">
+                        <a:buNone/>
+                      </a:pPr>
+                      <a:r>
+                        <a:rPr lang="en-US" altLang="zh-CN" sz="1200"/>
+                        <a:t>Stop</a:t>
+                      </a:r>
+                      <a:endParaRPr lang="en-US" altLang="zh-CN" sz="1200"/>
+                    </a:p>
+                  </a:txBody>
+                  <a:tcPr anchor="ctr" anchorCtr="0"/>
+                </a:tc>
+              </a:tr>
+            </a:tbl>
+          </a:graphicData>
+        </a:graphic>
+      </p:graphicFrame>
+      <p:cxnSp>
+        <p:nvCxnSpPr>
+          <p:cNvPr id="107" name="直接箭头连接符 106"/>
+          <p:cNvCxnSpPr/>
+          <p:nvPr/>
+        </p:nvCxnSpPr>
+        <p:spPr>
+          <a:xfrm>
+            <a:off x="1606550" y="5754370"/>
+            <a:ext cx="1389380" cy="0"/>
+          </a:xfrm>
+          <a:prstGeom prst="straightConnector1">
+            <a:avLst/>
+          </a:prstGeom>
+          <a:ln>
+            <a:headEnd type="arrow"/>
+            <a:tailEnd type="arrow"/>
+          </a:ln>
+        </p:spPr>
+        <p:style>
+          <a:lnRef idx="1">
+            <a:schemeClr val="accent1"/>
+          </a:lnRef>
+          <a:fillRef idx="0">
+            <a:schemeClr val="accent1"/>
+          </a:fillRef>
+          <a:effectRef idx="0">
+            <a:schemeClr val="accent1"/>
+          </a:effectRef>
+          <a:fontRef idx="minor">
+            <a:schemeClr val="tx1"/>
+          </a:fontRef>
+        </p:style>
+      </p:cxnSp>
+      <p:sp>
+        <p:nvSpPr>
+          <p:cNvPr id="108" name="文本框 107"/>
+          <p:cNvSpPr txBox="1"/>
+          <p:nvPr/>
+        </p:nvSpPr>
+        <p:spPr>
+          <a:xfrm>
+            <a:off x="1721485" y="5554980"/>
+            <a:ext cx="1148715" cy="198755"/>
+          </a:xfrm>
+          <a:prstGeom prst="rect">
+            <a:avLst/>
+          </a:prstGeom>
+          <a:noFill/>
+        </p:spPr>
+        <p:txBody>
+          <a:bodyPr wrap="none" rtlCol="0">
+            <a:spAutoFit/>
+          </a:bodyPr>
+          <a:p>
+            <a:r>
+              <a:rPr lang="en-US" altLang="zh-CN" sz="700"/>
+              <a:t>7bit(</a:t>
+            </a:r>
+            <a:r>
+              <a:rPr lang="zh-CN" altLang="en-US" sz="700"/>
+              <a:t>设备地址</a:t>
+            </a:r>
+            <a:r>
+              <a:rPr lang="en-US" altLang="zh-CN" sz="700"/>
+              <a:t>) + 1bit(</a:t>
+            </a:r>
+            <a:r>
+              <a:rPr lang="zh-CN" altLang="en-US" sz="700"/>
+              <a:t>读</a:t>
+            </a:r>
+            <a:r>
+              <a:rPr lang="en-US" altLang="zh-CN" sz="700"/>
+              <a:t>0)</a:t>
+            </a:r>
+            <a:endParaRPr lang="en-US" altLang="zh-CN" sz="700"/>
+          </a:p>
+        </p:txBody>
+      </p:sp>
+      <p:cxnSp>
+        <p:nvCxnSpPr>
+          <p:cNvPr id="109" name="直接箭头连接符 108"/>
+          <p:cNvCxnSpPr/>
+          <p:nvPr/>
+        </p:nvCxnSpPr>
+        <p:spPr>
+          <a:xfrm>
+            <a:off x="3566160" y="5787390"/>
+            <a:ext cx="3400425" cy="6985"/>
+          </a:xfrm>
+          <a:prstGeom prst="straightConnector1">
+            <a:avLst/>
+          </a:prstGeom>
+          <a:ln>
+            <a:headEnd type="arrow"/>
+            <a:tailEnd type="arrow"/>
+          </a:ln>
+        </p:spPr>
+        <p:style>
+          <a:lnRef idx="1">
+            <a:schemeClr val="accent1"/>
+          </a:lnRef>
+          <a:fillRef idx="0">
+            <a:schemeClr val="accent1"/>
+          </a:fillRef>
+          <a:effectRef idx="0">
+            <a:schemeClr val="accent1"/>
+          </a:effectRef>
+          <a:fontRef idx="minor">
+            <a:schemeClr val="tx1"/>
+          </a:fontRef>
+        </p:style>
+      </p:cxnSp>
+      <p:sp>
+        <p:nvSpPr>
+          <p:cNvPr id="110" name="文本框 109"/>
+          <p:cNvSpPr txBox="1"/>
+          <p:nvPr/>
+        </p:nvSpPr>
+        <p:spPr>
+          <a:xfrm>
+            <a:off x="4646295" y="5579745"/>
+            <a:ext cx="1049020" cy="198755"/>
+          </a:xfrm>
+          <a:prstGeom prst="rect">
+            <a:avLst/>
+          </a:prstGeom>
+          <a:noFill/>
+        </p:spPr>
+        <p:txBody>
+          <a:bodyPr wrap="none" rtlCol="0">
+            <a:spAutoFit/>
+          </a:bodyPr>
+          <a:p>
+            <a:r>
+              <a:rPr lang="zh-CN" altLang="en-US" sz="700"/>
+              <a:t>数据传输</a:t>
+            </a:r>
+            <a:r>
+              <a:rPr lang="en-US" altLang="zh-CN" sz="700"/>
+              <a:t>N(</a:t>
+            </a:r>
+            <a:r>
+              <a:rPr lang="zh-CN" altLang="en-US" sz="700"/>
+              <a:t>字节</a:t>
+            </a:r>
+            <a:r>
+              <a:rPr lang="en-US" altLang="zh-CN" sz="700"/>
+              <a:t>+</a:t>
+            </a:r>
+            <a:r>
+              <a:rPr lang="zh-CN" altLang="en-US" sz="700"/>
+              <a:t>应答</a:t>
+            </a:r>
+            <a:r>
+              <a:rPr lang="en-US" altLang="zh-CN" sz="700"/>
+              <a:t>)</a:t>
+            </a:r>
+            <a:endParaRPr lang="en-US" altLang="zh-CN" sz="700">
+              <a:ea typeface="宋体" panose="02010600030101010101" pitchFamily="2" charset="-122"/>
+            </a:endParaRPr>
+          </a:p>
+        </p:txBody>
+      </p:sp>
+    </p:spTree>
+  </p:cSld>
+  <p:clrMapOvr>
+    <a:masterClrMapping/>
+  </p:clrMapOvr>
+</p:sld>
+</file>
+
+<file path=ppt/slides/slide9.xml><?xml version="1.0" encoding="utf-8"?>
+<p:sld xmlns:a="http://schemas.openxmlformats.org/drawingml/2006/main" xmlns:r="http://schemas.openxmlformats.org/officeDocument/2006/relationships" xmlns:p="http://schemas.openxmlformats.org/presentationml/2006/main">
+  <p:cSld>
+    <p:spTree>
+      <p:nvGrpSpPr>
+        <p:cNvPr id="1" name=""/>
+        <p:cNvGrpSpPr/>
+        <p:nvPr/>
+      </p:nvGrpSpPr>
+      <p:grpSpPr/>
+      <p:sp>
+        <p:nvSpPr>
+          <p:cNvPr id="2" name="文本占位符 1"/>
+          <p:cNvSpPr>
+            <a:spLocks noGrp="1"/>
+          </p:cNvSpPr>
+          <p:nvPr>
+            <p:ph type="body" sz="quarter" idx="10"/>
+          </p:nvPr>
+        </p:nvSpPr>
+        <p:spPr>
+          <a:xfrm>
+            <a:off x="222885" y="934085"/>
+            <a:ext cx="5633720" cy="324485"/>
+          </a:xfrm>
+        </p:spPr>
+        <p:txBody>
+          <a:bodyPr>
+            <a:noAutofit/>
+          </a:bodyPr>
+          <a:p>
+            <a:r>
+              <a:rPr lang="en-US" altLang="zh-CN">
+                <a:ea typeface="宋体" panose="02010600030101010101" pitchFamily="2" charset="-122"/>
+              </a:rPr>
+              <a:t>1. </a:t>
+            </a:r>
+            <a:r>
+              <a:rPr lang="zh-CN" altLang="zh-CN">
+                <a:ea typeface="宋体" panose="02010600030101010101" pitchFamily="2" charset="-122"/>
+              </a:rPr>
+              <a:t>起始</a:t>
+            </a:r>
+            <a:r>
+              <a:rPr lang="en-US" altLang="zh-CN">
+                <a:ea typeface="宋体" panose="02010600030101010101" pitchFamily="2" charset="-122"/>
+              </a:rPr>
+              <a:t>(Start)</a:t>
+            </a:r>
+            <a:r>
+              <a:rPr lang="zh-CN" altLang="zh-CN">
+                <a:ea typeface="宋体" panose="02010600030101010101" pitchFamily="2" charset="-122"/>
+              </a:rPr>
+              <a:t>信号：</a:t>
+            </a:r>
+            <a:r>
+              <a:rPr lang="en-US" altLang="zh-CN">
+                <a:ea typeface="宋体" panose="02010600030101010101" pitchFamily="2" charset="-122"/>
+              </a:rPr>
+              <a:t>SCL</a:t>
+            </a:r>
+            <a:r>
+              <a:rPr lang="zh-CN" altLang="en-US">
+                <a:ea typeface="宋体" panose="02010600030101010101" pitchFamily="2" charset="-122"/>
+              </a:rPr>
+              <a:t>保持</a:t>
+            </a:r>
+            <a:r>
+              <a:rPr lang="zh-CN" altLang="en-US">
+                <a:ea typeface="宋体" panose="02010600030101010101" pitchFamily="2" charset="-122"/>
+              </a:rPr>
+              <a:t>高电频，</a:t>
+            </a:r>
+            <a:r>
+              <a:rPr lang="en-US" altLang="zh-CN">
+                <a:ea typeface="宋体" panose="02010600030101010101" pitchFamily="2" charset="-122"/>
+              </a:rPr>
+              <a:t>SDA</a:t>
+            </a:r>
+            <a:r>
+              <a:rPr lang="zh-CN" altLang="en-US">
+                <a:ea typeface="宋体" panose="02010600030101010101" pitchFamily="2" charset="-122"/>
+              </a:rPr>
+              <a:t>由高电屏平跳变到低电平</a:t>
+            </a:r>
+            <a:endParaRPr lang="zh-CN" altLang="en-US">
+              <a:ea typeface="宋体" panose="02010600030101010101" pitchFamily="2" charset="-122"/>
+            </a:endParaRPr>
+          </a:p>
+        </p:txBody>
+      </p:sp>
+      <p:sp>
+        <p:nvSpPr>
+          <p:cNvPr id="3" name="文本占位符 2"/>
+          <p:cNvSpPr>
+            <a:spLocks noGrp="1"/>
+          </p:cNvSpPr>
+          <p:nvPr>
+            <p:ph type="body" sz="quarter" idx="11"/>
+          </p:nvPr>
+        </p:nvSpPr>
+        <p:spPr/>
+        <p:txBody>
+          <a:bodyPr/>
+          <a:p>
+            <a:r>
+              <a:rPr lang="en-US" altLang="zh-CN"/>
+              <a:t>IIC</a:t>
+            </a:r>
+            <a:r>
+              <a:rPr lang="zh-CN" altLang="en-US"/>
+              <a:t>通信</a:t>
+            </a:r>
+            <a:r>
+              <a:rPr lang="zh-CN" altLang="en-US"/>
+              <a:t>协议</a:t>
+            </a:r>
+            <a:endParaRPr lang="zh-CN" altLang="en-US"/>
+          </a:p>
+        </p:txBody>
+      </p:sp>
+      <p:sp>
+        <p:nvSpPr>
+          <p:cNvPr id="5" name="文本框 4"/>
+          <p:cNvSpPr txBox="1"/>
+          <p:nvPr/>
+        </p:nvSpPr>
+        <p:spPr>
+          <a:xfrm>
+            <a:off x="222885" y="3130550"/>
+            <a:ext cx="4841240" cy="306705"/>
+          </a:xfrm>
+          <a:prstGeom prst="rect">
+            <a:avLst/>
+          </a:prstGeom>
+          <a:noFill/>
+        </p:spPr>
+        <p:txBody>
+          <a:bodyPr wrap="none" rtlCol="0">
+            <a:spAutoFit/>
+          </a:bodyPr>
+          <a:p>
+            <a:r>
+              <a:rPr lang="en-US" altLang="zh-CN" sz="1400"/>
+              <a:t>2. </a:t>
+            </a:r>
+            <a:r>
+              <a:rPr lang="zh-CN" altLang="en-US" sz="1400"/>
+              <a:t>停止</a:t>
+            </a:r>
+            <a:r>
+              <a:rPr lang="en-US" altLang="zh-CN" sz="1400"/>
+              <a:t>(Stop)</a:t>
+            </a:r>
+            <a:r>
+              <a:rPr lang="zh-CN" altLang="en-US" sz="1400"/>
+              <a:t>信号</a:t>
+            </a:r>
+            <a:r>
+              <a:rPr lang="en-US" altLang="zh-CN" sz="1400"/>
+              <a:t>:  SCL</a:t>
+            </a:r>
+            <a:r>
+              <a:rPr lang="zh-CN" altLang="en-US" sz="1400"/>
+              <a:t>保持高电平，</a:t>
+            </a:r>
+            <a:r>
+              <a:rPr lang="en-US" altLang="zh-CN" sz="1400"/>
+              <a:t>SDA</a:t>
+            </a:r>
+            <a:r>
+              <a:rPr lang="zh-CN" altLang="en-US" sz="1400"/>
+              <a:t>由低电平跳变高</a:t>
+            </a:r>
+            <a:r>
+              <a:rPr lang="zh-CN" altLang="en-US" sz="1400"/>
+              <a:t>电平</a:t>
+            </a:r>
+            <a:endParaRPr lang="zh-CN" altLang="en-US" sz="1400"/>
+          </a:p>
+        </p:txBody>
+      </p:sp>
+      <p:sp>
+        <p:nvSpPr>
+          <p:cNvPr id="6" name="文本框 5"/>
+          <p:cNvSpPr txBox="1"/>
+          <p:nvPr/>
+        </p:nvSpPr>
+        <p:spPr>
+          <a:xfrm>
+            <a:off x="222885" y="5309235"/>
+            <a:ext cx="6248400" cy="1383665"/>
+          </a:xfrm>
+          <a:prstGeom prst="rect">
+            <a:avLst/>
+          </a:prstGeom>
+          <a:noFill/>
+        </p:spPr>
+        <p:txBody>
+          <a:bodyPr wrap="none" rtlCol="0">
+            <a:spAutoFit/>
+          </a:bodyPr>
+          <a:p>
+            <a:pPr algn="l"/>
+            <a:r>
+              <a:rPr lang="en-US" altLang="zh-CN" sz="1400"/>
+              <a:t>2. </a:t>
+            </a:r>
+            <a:r>
+              <a:rPr lang="zh-CN" altLang="en-US" sz="1400"/>
+              <a:t>应答信号</a:t>
+            </a:r>
+            <a:r>
+              <a:rPr lang="en-US" altLang="zh-CN" sz="1400"/>
+              <a:t>(ACK: </a:t>
+            </a:r>
+            <a:r>
+              <a:rPr lang="zh-CN" altLang="en-US" sz="1400"/>
+              <a:t>有效应答，</a:t>
+            </a:r>
+            <a:r>
+              <a:rPr lang="en-US" altLang="zh-CN" sz="1400"/>
+              <a:t> NACK: </a:t>
+            </a:r>
+            <a:r>
+              <a:rPr lang="zh-CN" altLang="en-US" sz="1400"/>
+              <a:t>无效应答</a:t>
+            </a:r>
+            <a:r>
+              <a:rPr lang="en-US" altLang="zh-CN" sz="1400"/>
+              <a:t>)</a:t>
+            </a:r>
+            <a:endParaRPr lang="en-US" altLang="zh-CN" sz="1400"/>
+          </a:p>
+          <a:p>
+            <a:pPr algn="l"/>
+            <a:r>
+              <a:rPr lang="en-US" altLang="zh-CN" sz="1400"/>
+              <a:t>接收端收到有效数据后向对方响应的信号，发送端每发送一个字节(8位)数据，</a:t>
+            </a:r>
+            <a:endParaRPr lang="en-US" altLang="zh-CN" sz="1400"/>
+          </a:p>
+          <a:p>
+            <a:pPr algn="l"/>
+            <a:r>
+              <a:rPr lang="en-US" altLang="zh-CN" sz="1400"/>
+              <a:t>在第9个时钟周期释放数据线去接收对方的应答。</a:t>
+            </a:r>
+            <a:endParaRPr lang="en-US" altLang="zh-CN" sz="1400"/>
+          </a:p>
+          <a:p>
+            <a:pPr algn="l"/>
+            <a:endParaRPr lang="en-US" altLang="zh-CN" sz="1400"/>
+          </a:p>
+          <a:p>
+            <a:pPr marL="285750" indent="-285750" algn="l">
+              <a:buFont typeface="Arial" panose="020B0604020202020204" pitchFamily="34" charset="0"/>
+              <a:buChar char="•"/>
+            </a:pPr>
+            <a:r>
+              <a:rPr lang="en-US" altLang="zh-CN" sz="1400"/>
+              <a:t>当SDA是低电平为有效应答(ACK)，表示对方接收成功</a:t>
+            </a:r>
+            <a:r>
+              <a:rPr lang="zh-CN" altLang="en-US" sz="1400">
+                <a:ea typeface="宋体" panose="02010600030101010101" pitchFamily="2" charset="-122"/>
+              </a:rPr>
+              <a:t>。</a:t>
+            </a:r>
+            <a:endParaRPr lang="en-US" altLang="zh-CN" sz="1400"/>
+          </a:p>
+          <a:p>
+            <a:pPr marL="285750" indent="-285750" algn="l">
+              <a:buFont typeface="Arial" panose="020B0604020202020204" pitchFamily="34" charset="0"/>
+              <a:buChar char="•"/>
+            </a:pPr>
+            <a:r>
+              <a:rPr lang="en-US" altLang="zh-CN" sz="1400"/>
+              <a:t>当SDA是高电平为无效应答(NACK)，表示对方没有接收成功。</a:t>
+            </a:r>
+            <a:endParaRPr lang="en-US" altLang="zh-CN" sz="1400"/>
+          </a:p>
+        </p:txBody>
+      </p:sp>
+      <p:pic>
+        <p:nvPicPr>
+          <p:cNvPr id="7" name="图片 6"/>
+          <p:cNvPicPr>
+            <a:picLocks noChangeAspect="1"/>
+          </p:cNvPicPr>
+          <p:nvPr/>
+        </p:nvPicPr>
+        <p:blipFill>
+          <a:blip r:embed="rId1"/>
+          <a:stretch>
+            <a:fillRect/>
+          </a:stretch>
+        </p:blipFill>
+        <p:spPr>
+          <a:xfrm>
+            <a:off x="1760220" y="3672840"/>
+            <a:ext cx="1684020" cy="1101725"/>
+          </a:xfrm>
+          <a:prstGeom prst="rect">
+            <a:avLst/>
+          </a:prstGeom>
+        </p:spPr>
+      </p:pic>
+      <p:sp>
+        <p:nvSpPr>
+          <p:cNvPr id="8" name="文本框 7"/>
+          <p:cNvSpPr txBox="1"/>
+          <p:nvPr/>
+        </p:nvSpPr>
+        <p:spPr>
+          <a:xfrm>
+            <a:off x="6310630" y="934085"/>
+            <a:ext cx="5881370" cy="1599565"/>
+          </a:xfrm>
+          <a:prstGeom prst="rect">
+            <a:avLst/>
+          </a:prstGeom>
+          <a:noFill/>
+        </p:spPr>
+        <p:txBody>
+          <a:bodyPr wrap="none" rtlCol="0">
+            <a:spAutoFit/>
+          </a:bodyPr>
+          <a:p>
+            <a:pPr algn="l"/>
+            <a:r>
+              <a:rPr lang="en-US" altLang="zh-CN" sz="1400"/>
+              <a:t>4. </a:t>
+            </a:r>
+            <a:r>
+              <a:rPr lang="zh-CN" altLang="en-US" sz="1400"/>
+              <a:t>数据有效性</a:t>
+            </a:r>
+            <a:endParaRPr lang="zh-CN" altLang="en-US" sz="1400"/>
+          </a:p>
+          <a:p>
+            <a:pPr algn="l"/>
+            <a:r>
+              <a:rPr lang="zh-CN" altLang="en-US" sz="1400"/>
+              <a:t>I2C总线进行数据传送时，在SCL的每个时钟脉冲期间传输一个数据位，</a:t>
+            </a:r>
+            <a:endParaRPr lang="zh-CN" altLang="en-US" sz="1400"/>
+          </a:p>
+          <a:p>
+            <a:pPr algn="l"/>
+            <a:r>
+              <a:rPr lang="zh-CN" altLang="en-US" sz="1400"/>
+              <a:t>时钟信号SCL为高电平期间，数据线SDA上的数据必须保持稳定，</a:t>
+            </a:r>
+            <a:endParaRPr lang="zh-CN" altLang="en-US" sz="1400"/>
+          </a:p>
+          <a:p>
+            <a:pPr algn="l"/>
+            <a:r>
+              <a:rPr lang="zh-CN" altLang="en-US" sz="1400"/>
+              <a:t>只有在时钟线SCL上的信号为低电平期间，</a:t>
+            </a:r>
+            <a:endParaRPr lang="zh-CN" altLang="en-US" sz="1400"/>
+          </a:p>
+          <a:p>
+            <a:pPr algn="l"/>
+            <a:r>
+              <a:rPr lang="zh-CN" altLang="en-US" sz="1400"/>
+              <a:t>数据线SDA上的高电平或低电平状态才允许变化，因为当SCL是高电平时，</a:t>
+            </a:r>
+            <a:endParaRPr lang="zh-CN" altLang="en-US" sz="1400"/>
+          </a:p>
+          <a:p>
+            <a:pPr algn="l"/>
+            <a:r>
+              <a:rPr lang="zh-CN" altLang="en-US" sz="1400"/>
+              <a:t>数据线SDA的变化被规定为控制命令</a:t>
+            </a:r>
+            <a:endParaRPr lang="zh-CN" altLang="en-US" sz="1400"/>
+          </a:p>
+          <a:p>
+            <a:pPr algn="l"/>
+            <a:r>
+              <a:rPr lang="zh-CN" altLang="en-US" sz="1400"/>
+              <a:t>（START或STOP，也就是前面的起始信号和停止信号</a:t>
+            </a:r>
+            <a:endParaRPr lang="zh-CN" altLang="en-US" sz="1400"/>
+          </a:p>
+        </p:txBody>
+      </p:sp>
+      <p:pic>
+        <p:nvPicPr>
+          <p:cNvPr id="9" name="图片 8"/>
+          <p:cNvPicPr>
+            <a:picLocks noChangeAspect="1"/>
+          </p:cNvPicPr>
+          <p:nvPr/>
+        </p:nvPicPr>
+        <p:blipFill>
+          <a:blip r:embed="rId2"/>
+          <a:stretch>
+            <a:fillRect/>
+          </a:stretch>
+        </p:blipFill>
+        <p:spPr>
+          <a:xfrm>
+            <a:off x="7158990" y="2734945"/>
+            <a:ext cx="3282315" cy="1017905"/>
+          </a:xfrm>
+          <a:prstGeom prst="rect">
+            <a:avLst/>
+          </a:prstGeom>
+        </p:spPr>
+      </p:pic>
+      <p:graphicFrame>
+        <p:nvGraphicFramePr>
+          <p:cNvPr id="10" name="表格 9"/>
+          <p:cNvGraphicFramePr/>
+          <p:nvPr>
+            <p:custDataLst>
+              <p:tags r:id="rId3"/>
+            </p:custDataLst>
+          </p:nvPr>
+        </p:nvGraphicFramePr>
+        <p:xfrm>
+          <a:off x="6735445" y="3846195"/>
+          <a:ext cx="4324350" cy="2194560"/>
+        </p:xfrm>
+        <a:graphic>
+          <a:graphicData uri="http://schemas.openxmlformats.org/drawingml/2006/table">
+            <a:tbl>
+              <a:tblPr firstRow="1" bandRow="1">
+                <a:tableStyleId>{5C22544A-7EE6-4342-B048-85BDC9FD1C3A}</a:tableStyleId>
+              </a:tblPr>
+              <a:tblGrid>
+                <a:gridCol w="1441450"/>
+                <a:gridCol w="1441450"/>
+                <a:gridCol w="1441450"/>
+              </a:tblGrid>
+              <a:tr h="365760">
+                <a:tc>
+                  <a:txBody>
+                    <a:bodyPr/>
+                    <a:p>
+                      <a:pPr>
+                        <a:buNone/>
+                      </a:pPr>
+                      <a:r>
+                        <a:rPr lang="en-US" altLang="zh-CN" sz="1200"/>
+                        <a:t>Action</a:t>
+                      </a:r>
+                      <a:endParaRPr lang="en-US" altLang="zh-CN" sz="1200"/>
+                    </a:p>
+                  </a:txBody>
+                  <a:tcPr/>
+                </a:tc>
+                <a:tc>
+                  <a:txBody>
+                    <a:bodyPr/>
+                    <a:p>
+                      <a:pPr>
+                        <a:buNone/>
+                      </a:pPr>
+                      <a:r>
+                        <a:rPr lang="en-US" altLang="zh-CN" sz="1200"/>
+                        <a:t>SCL</a:t>
+                      </a:r>
+                      <a:endParaRPr lang="en-US" altLang="zh-CN" sz="1200"/>
+                    </a:p>
+                  </a:txBody>
+                  <a:tcPr/>
+                </a:tc>
+                <a:tc>
+                  <a:txBody>
+                    <a:bodyPr/>
+                    <a:p>
+                      <a:pPr>
+                        <a:buNone/>
+                      </a:pPr>
+                      <a:r>
+                        <a:rPr lang="en-US" altLang="zh-CN" sz="1200"/>
+                        <a:t>SDA</a:t>
+                      </a:r>
+                      <a:endParaRPr lang="en-US" altLang="zh-CN" sz="1200"/>
+                    </a:p>
+                  </a:txBody>
+                  <a:tcPr/>
+                </a:tc>
+              </a:tr>
+              <a:tr h="365760">
+                <a:tc>
+                  <a:txBody>
+                    <a:bodyPr/>
+                    <a:p>
+                      <a:pPr>
+                        <a:buNone/>
+                      </a:pPr>
+                      <a:r>
+                        <a:rPr lang="en-US" altLang="zh-CN" sz="1200"/>
+                        <a:t>Start</a:t>
+                      </a:r>
+                      <a:endParaRPr lang="en-US" altLang="zh-CN" sz="1200"/>
+                    </a:p>
+                  </a:txBody>
+                  <a:tcPr/>
+                </a:tc>
+                <a:tc>
+                  <a:txBody>
+                    <a:bodyPr/>
+                    <a:p>
+                      <a:pPr>
+                        <a:buNone/>
+                      </a:pPr>
+                      <a:r>
+                        <a:rPr lang="en-US" altLang="zh-CN" sz="1200"/>
+                        <a:t>1</a:t>
+                      </a:r>
+                      <a:endParaRPr lang="en-US" altLang="zh-CN" sz="1200"/>
+                    </a:p>
+                  </a:txBody>
+                  <a:tcPr/>
+                </a:tc>
+                <a:tc>
+                  <a:txBody>
+                    <a:bodyPr/>
+                    <a:p>
+                      <a:pPr>
+                        <a:buNone/>
+                      </a:pPr>
+                      <a:r>
+                        <a:rPr lang="en-US" altLang="zh-CN" sz="1200"/>
+                        <a:t>1 --&gt; 0</a:t>
+                      </a:r>
+                      <a:endParaRPr lang="en-US" altLang="zh-CN" sz="1200">
+                        <a:ea typeface="宋体" panose="02010600030101010101" pitchFamily="2" charset="-122"/>
+                      </a:endParaRPr>
+                    </a:p>
+                  </a:txBody>
+                  <a:tcPr/>
+                </a:tc>
+              </a:tr>
+              <a:tr h="365760">
+                <a:tc>
+                  <a:txBody>
+                    <a:bodyPr/>
+                    <a:p>
+                      <a:pPr>
+                        <a:buNone/>
+                      </a:pPr>
+                      <a:r>
+                        <a:rPr lang="en-US" altLang="zh-CN" sz="1200"/>
+                        <a:t>Stop</a:t>
+                      </a:r>
+                      <a:endParaRPr lang="en-US" altLang="zh-CN" sz="1200"/>
+                    </a:p>
+                  </a:txBody>
+                  <a:tcPr/>
+                </a:tc>
+                <a:tc>
+                  <a:txBody>
+                    <a:bodyPr/>
+                    <a:p>
+                      <a:pPr>
+                        <a:buNone/>
+                      </a:pPr>
+                      <a:r>
+                        <a:rPr lang="en-US" altLang="zh-CN" sz="1200"/>
+                        <a:t>1</a:t>
+                      </a:r>
+                      <a:endParaRPr lang="en-US" altLang="zh-CN" sz="1200"/>
+                    </a:p>
+                  </a:txBody>
+                  <a:tcPr/>
+                </a:tc>
+                <a:tc>
+                  <a:txBody>
+                    <a:bodyPr/>
+                    <a:p>
+                      <a:pPr>
+                        <a:buNone/>
+                      </a:pPr>
+                      <a:r>
+                        <a:rPr lang="en-US" altLang="zh-CN" sz="1200"/>
+                        <a:t>0 --&gt; 1</a:t>
+                      </a:r>
+                      <a:endParaRPr lang="en-US" altLang="zh-CN" sz="1200"/>
+                    </a:p>
+                  </a:txBody>
+                  <a:tcPr/>
+                </a:tc>
+              </a:tr>
+              <a:tr h="365760">
+                <a:tc>
+                  <a:txBody>
+                    <a:bodyPr/>
+                    <a:p>
+                      <a:pPr>
+                        <a:buNone/>
+                      </a:pPr>
+                      <a:r>
+                        <a:rPr lang="en-US" altLang="zh-CN" sz="1200"/>
+                        <a:t>ACK</a:t>
+                      </a:r>
+                      <a:endParaRPr lang="en-US" altLang="zh-CN" sz="1200"/>
+                    </a:p>
+                  </a:txBody>
+                  <a:tcPr/>
+                </a:tc>
+                <a:tc>
+                  <a:txBody>
+                    <a:bodyPr/>
+                    <a:p>
+                      <a:pPr>
+                        <a:buNone/>
+                      </a:pPr>
+                      <a:endParaRPr lang="zh-CN" altLang="en-US" sz="1200"/>
+                    </a:p>
+                  </a:txBody>
+                  <a:tcPr/>
+                </a:tc>
+                <a:tc>
+                  <a:txBody>
+                    <a:bodyPr/>
+                    <a:p>
+                      <a:pPr>
+                        <a:buNone/>
+                      </a:pPr>
+                      <a:r>
+                        <a:rPr lang="en-US" altLang="zh-CN" sz="1200"/>
+                        <a:t>0</a:t>
+                      </a:r>
+                      <a:endParaRPr lang="en-US" altLang="zh-CN" sz="1200"/>
+                    </a:p>
+                  </a:txBody>
+                  <a:tcPr/>
+                </a:tc>
+              </a:tr>
+              <a:tr h="365760">
+                <a:tc>
+                  <a:txBody>
+                    <a:bodyPr/>
+                    <a:p>
+                      <a:pPr>
+                        <a:buNone/>
+                      </a:pPr>
+                      <a:r>
+                        <a:rPr lang="en-US" altLang="zh-CN" sz="1200"/>
+                        <a:t>NACK</a:t>
+                      </a:r>
+                      <a:endParaRPr lang="en-US" altLang="zh-CN" sz="1200"/>
+                    </a:p>
+                  </a:txBody>
+                  <a:tcPr/>
+                </a:tc>
+                <a:tc>
+                  <a:txBody>
+                    <a:bodyPr/>
+                    <a:p>
+                      <a:pPr>
+                        <a:buNone/>
+                      </a:pPr>
+                      <a:endParaRPr lang="zh-CN" altLang="en-US" sz="1200"/>
+                    </a:p>
+                  </a:txBody>
+                  <a:tcPr/>
+                </a:tc>
+                <a:tc>
+                  <a:txBody>
+                    <a:bodyPr/>
+                    <a:p>
+                      <a:pPr>
+                        <a:buNone/>
+                      </a:pPr>
+                      <a:r>
+                        <a:rPr lang="en-US" altLang="zh-CN" sz="1200"/>
+                        <a:t>1</a:t>
+                      </a:r>
+                      <a:endParaRPr lang="en-US" altLang="zh-CN" sz="1200"/>
+                    </a:p>
+                  </a:txBody>
+                  <a:tcPr/>
+                </a:tc>
+              </a:tr>
+              <a:tr h="365760">
+                <a:tc>
+                  <a:txBody>
+                    <a:bodyPr/>
+                    <a:p>
+                      <a:pPr>
+                        <a:buNone/>
+                      </a:pPr>
+                      <a:r>
+                        <a:rPr lang="en-US" altLang="zh-CN" sz="1200"/>
+                        <a:t>DATA</a:t>
+                      </a:r>
+                      <a:endParaRPr lang="en-US" altLang="zh-CN" sz="1200"/>
+                    </a:p>
+                  </a:txBody>
+                  <a:tcPr/>
+                </a:tc>
+                <a:tc>
+                  <a:txBody>
+                    <a:bodyPr/>
+                    <a:p>
+                      <a:pPr>
+                        <a:buNone/>
+                      </a:pPr>
+                      <a:r>
+                        <a:rPr lang="en-US" altLang="zh-CN" sz="1200"/>
+                        <a:t>0</a:t>
+                      </a:r>
+                      <a:endParaRPr lang="en-US" altLang="zh-CN" sz="1200"/>
+                    </a:p>
+                  </a:txBody>
+                  <a:tcPr/>
+                </a:tc>
+                <a:tc>
+                  <a:txBody>
+                    <a:bodyPr/>
+                    <a:p>
+                      <a:pPr>
+                        <a:buNone/>
+                      </a:pPr>
+                      <a:r>
+                        <a:rPr lang="en-US" altLang="zh-CN" sz="1200"/>
+                        <a:t>[data]</a:t>
+                      </a:r>
+                      <a:endParaRPr lang="en-US" altLang="zh-CN" sz="1200"/>
+                    </a:p>
+                  </a:txBody>
+                  <a:tcPr/>
+                </a:tc>
+              </a:tr>
+            </a:tbl>
+          </a:graphicData>
+        </a:graphic>
+      </p:graphicFrame>
+      <p:pic>
+        <p:nvPicPr>
+          <p:cNvPr id="11" name="图片 10"/>
+          <p:cNvPicPr>
+            <a:picLocks noChangeAspect="1"/>
+          </p:cNvPicPr>
+          <p:nvPr/>
+        </p:nvPicPr>
+        <p:blipFill>
+          <a:blip r:embed="rId4"/>
+          <a:stretch>
+            <a:fillRect/>
+          </a:stretch>
+        </p:blipFill>
+        <p:spPr>
+          <a:xfrm>
+            <a:off x="1760220" y="1614805"/>
+            <a:ext cx="1647190" cy="1127125"/>
+          </a:xfrm>
+          <a:prstGeom prst="rect">
+            <a:avLst/>
+          </a:prstGeom>
+        </p:spPr>
+      </p:pic>
     </p:spTree>
   </p:cSld>
   <p:clrMapOvr>
@@ -9482,6 +14331,34 @@
 </file>
 
 <file path=ppt/tags/tag2.xml><?xml version="1.0" encoding="utf-8"?>
+<p:tagLst xmlns:p="http://schemas.openxmlformats.org/presentationml/2006/main">
+  <p:tag name="KSO_WM_UNIT_PLACING_PICTURE_USER_VIEWPORT" val="{&quot;height&quot;:4065,&quot;width&quot;:9165}"/>
+</p:tagLst>
+</file>
+
+<file path=ppt/tags/tag3.xml><?xml version="1.0" encoding="utf-8"?>
+<p:tagLst xmlns:p="http://schemas.openxmlformats.org/presentationml/2006/main">
+  <p:tag name="TABLE_ENDDRAG_ORIGIN_RECT" val="521*41"/>
+  <p:tag name="TABLE_ENDDRAG_RECT" val="62*204*521*41"/>
+</p:tagLst>
+</file>
+
+<file path=ppt/tags/tag4.xml><?xml version="1.0" encoding="utf-8"?>
+<p:tagLst xmlns:p="http://schemas.openxmlformats.org/presentationml/2006/main">
+  <p:tag name="TABLE_ENDDRAG_ORIGIN_RECT" val="521*41"/>
+  <p:tag name="TABLE_ENDDRAG_RECT" val="62*204*521*41"/>
+</p:tagLst>
+</file>
+
+<file path=ppt/tags/tag5.xml><?xml version="1.0" encoding="utf-8"?>
+<p:tagLst xmlns:p="http://schemas.openxmlformats.org/presentationml/2006/main">
+  <p:tag name="KSO_WM_UNIT_TABLE_BEAUTIFY" val="smartTable{2442fd28-12e7-454d-8d72-5268b775844f}"/>
+  <p:tag name="TABLE_ENDDRAG_ORIGIN_RECT" val="340*78"/>
+  <p:tag name="TABLE_ENDDRAG_RECT" val="475*251*340*78"/>
+</p:tagLst>
+</file>
+
+<file path=ppt/tags/tag6.xml><?xml version="1.0" encoding="utf-8"?>
 <p:tagLst xmlns:p="http://schemas.openxmlformats.org/presentationml/2006/main">
   <p:tag name="COMMONDATA" val="eyJoZGlkIjoiOWVlNmQ3OTYxMzljYWU1MzNiYjZmODlhMWE2OGE2ZTEifQ=="/>
 </p:tagLst>

--- a/compute/embedded-system/MCU.pptx
+++ b/compute/embedded-system/MCU.pptx
@@ -8852,6 +8852,18 @@
         <p:txBody>
           <a:bodyPr/>
           <a:p>
+            <a:r>
+              <a:rPr lang="en-US" altLang="zh-CN"/>
+              <a:t>SPI</a:t>
+            </a:r>
+            <a:r>
+              <a:rPr lang="zh-CN" altLang="en-US"/>
+              <a:t>是串行外设</a:t>
+            </a:r>
+            <a:r>
+              <a:rPr lang="zh-CN" altLang="en-US"/>
+              <a:t>接口</a:t>
+            </a:r>
             <a:endParaRPr lang="zh-CN" altLang="en-US"/>
           </a:p>
         </p:txBody>
@@ -8872,7 +8884,7 @@
           <a:p>
             <a:r>
               <a:rPr lang="en-US" altLang="zh-CN"/>
-              <a:t>PWM</a:t>
+              <a:t>SPI</a:t>
             </a:r>
             <a:endParaRPr lang="en-US" altLang="zh-CN"/>
           </a:p>
